--- a/angular2-tour/ppt/AngularJS.pptx
+++ b/angular2-tour/ppt/AngularJS.pptx
@@ -32,18 +32,19 @@
     <p:sldId id="277" r:id="rId27"/>
     <p:sldId id="278" r:id="rId28"/>
     <p:sldId id="279" r:id="rId29"/>
+    <p:sldId id="280" r:id="rId30"/>
   </p:sldIdLst>
   <p:sldSz cy="5143500" cx="9144000"/>
   <p:notesSz cx="6858000" cy="9144000"/>
   <p:embeddedFontLst>
     <p:embeddedFont>
       <p:font typeface="Average"/>
-      <p:regular r:id="rId30"/>
+      <p:regular r:id="rId31"/>
     </p:embeddedFont>
     <p:embeddedFont>
       <p:font typeface="Oswald"/>
-      <p:regular r:id="rId31"/>
-      <p:bold r:id="rId32"/>
+      <p:regular r:id="rId32"/>
+      <p:bold r:id="rId33"/>
     </p:embeddedFont>
   </p:embeddedFontLst>
   <p:defaultTextStyle>
@@ -500,7 +501,7 @@
   <p:cSld>
     <p:spTree>
       <p:nvGrpSpPr>
-        <p:cNvPr id="165" name="Shape 165"/>
+        <p:cNvPr id="164" name="Shape 164"/>
         <p:cNvGrpSpPr/>
         <p:nvPr/>
       </p:nvGrpSpPr>
@@ -514,7 +515,7 @@
       </p:grpSpPr>
       <p:sp>
         <p:nvSpPr>
-          <p:cNvPr id="166" name="Shape 166"/>
+          <p:cNvPr id="165" name="Shape 165"/>
           <p:cNvSpPr/>
           <p:nvPr>
             <p:ph idx="2" type="sldImg"/>
@@ -548,7 +549,7 @@
       </p:sp>
       <p:sp>
         <p:nvSpPr>
-          <p:cNvPr id="167" name="Shape 167"/>
+          <p:cNvPr id="166" name="Shape 166"/>
           <p:cNvSpPr txBox="1"/>
           <p:nvPr>
             <p:ph idx="1" type="body"/>
@@ -595,7 +596,7 @@
   <p:cSld>
     <p:spTree>
       <p:nvGrpSpPr>
-        <p:cNvPr id="174" name="Shape 174"/>
+        <p:cNvPr id="173" name="Shape 173"/>
         <p:cNvGrpSpPr/>
         <p:nvPr/>
       </p:nvGrpSpPr>
@@ -609,7 +610,7 @@
       </p:grpSpPr>
       <p:sp>
         <p:nvSpPr>
-          <p:cNvPr id="175" name="Shape 175"/>
+          <p:cNvPr id="174" name="Shape 174"/>
           <p:cNvSpPr/>
           <p:nvPr>
             <p:ph idx="2" type="sldImg"/>
@@ -643,7 +644,7 @@
       </p:sp>
       <p:sp>
         <p:nvSpPr>
-          <p:cNvPr id="176" name="Shape 176"/>
+          <p:cNvPr id="175" name="Shape 175"/>
           <p:cNvSpPr txBox="1"/>
           <p:nvPr>
             <p:ph idx="1" type="body"/>
@@ -690,7 +691,7 @@
   <p:cSld>
     <p:spTree>
       <p:nvGrpSpPr>
-        <p:cNvPr id="182" name="Shape 182"/>
+        <p:cNvPr id="181" name="Shape 181"/>
         <p:cNvGrpSpPr/>
         <p:nvPr/>
       </p:nvGrpSpPr>
@@ -704,7 +705,7 @@
       </p:grpSpPr>
       <p:sp>
         <p:nvSpPr>
-          <p:cNvPr id="183" name="Shape 183"/>
+          <p:cNvPr id="182" name="Shape 182"/>
           <p:cNvSpPr/>
           <p:nvPr>
             <p:ph idx="2" type="sldImg"/>
@@ -738,7 +739,7 @@
       </p:sp>
       <p:sp>
         <p:nvSpPr>
-          <p:cNvPr id="184" name="Shape 184"/>
+          <p:cNvPr id="183" name="Shape 183"/>
           <p:cNvSpPr txBox="1"/>
           <p:nvPr>
             <p:ph idx="1" type="body"/>
@@ -785,7 +786,7 @@
   <p:cSld>
     <p:spTree>
       <p:nvGrpSpPr>
-        <p:cNvPr id="190" name="Shape 190"/>
+        <p:cNvPr id="189" name="Shape 189"/>
         <p:cNvGrpSpPr/>
         <p:nvPr/>
       </p:nvGrpSpPr>
@@ -799,7 +800,7 @@
       </p:grpSpPr>
       <p:sp>
         <p:nvSpPr>
-          <p:cNvPr id="191" name="Shape 191"/>
+          <p:cNvPr id="190" name="Shape 190"/>
           <p:cNvSpPr/>
           <p:nvPr>
             <p:ph idx="2" type="sldImg"/>
@@ -833,7 +834,7 @@
       </p:sp>
       <p:sp>
         <p:nvSpPr>
-          <p:cNvPr id="192" name="Shape 192"/>
+          <p:cNvPr id="191" name="Shape 191"/>
           <p:cNvSpPr txBox="1"/>
           <p:nvPr>
             <p:ph idx="1" type="body"/>
@@ -880,7 +881,7 @@
   <p:cSld>
     <p:spTree>
       <p:nvGrpSpPr>
-        <p:cNvPr id="197" name="Shape 197"/>
+        <p:cNvPr id="196" name="Shape 196"/>
         <p:cNvGrpSpPr/>
         <p:nvPr/>
       </p:nvGrpSpPr>
@@ -894,7 +895,7 @@
       </p:grpSpPr>
       <p:sp>
         <p:nvSpPr>
-          <p:cNvPr id="198" name="Shape 198"/>
+          <p:cNvPr id="197" name="Shape 197"/>
           <p:cNvSpPr/>
           <p:nvPr>
             <p:ph idx="2" type="sldImg"/>
@@ -928,7 +929,7 @@
       </p:sp>
       <p:sp>
         <p:nvSpPr>
-          <p:cNvPr id="199" name="Shape 199"/>
+          <p:cNvPr id="198" name="Shape 198"/>
           <p:cNvSpPr txBox="1"/>
           <p:nvPr>
             <p:ph idx="1" type="body"/>
@@ -975,7 +976,7 @@
   <p:cSld>
     <p:spTree>
       <p:nvGrpSpPr>
-        <p:cNvPr id="204" name="Shape 204"/>
+        <p:cNvPr id="203" name="Shape 203"/>
         <p:cNvGrpSpPr/>
         <p:nvPr/>
       </p:nvGrpSpPr>
@@ -989,7 +990,7 @@
       </p:grpSpPr>
       <p:sp>
         <p:nvSpPr>
-          <p:cNvPr id="205" name="Shape 205"/>
+          <p:cNvPr id="204" name="Shape 204"/>
           <p:cNvSpPr/>
           <p:nvPr>
             <p:ph idx="2" type="sldImg"/>
@@ -1023,7 +1024,7 @@
       </p:sp>
       <p:sp>
         <p:nvSpPr>
-          <p:cNvPr id="206" name="Shape 206"/>
+          <p:cNvPr id="205" name="Shape 205"/>
           <p:cNvSpPr txBox="1"/>
           <p:nvPr>
             <p:ph idx="1" type="body"/>
@@ -1070,7 +1071,7 @@
   <p:cSld>
     <p:spTree>
       <p:nvGrpSpPr>
-        <p:cNvPr id="211" name="Shape 211"/>
+        <p:cNvPr id="210" name="Shape 210"/>
         <p:cNvGrpSpPr/>
         <p:nvPr/>
       </p:nvGrpSpPr>
@@ -1084,7 +1085,7 @@
       </p:grpSpPr>
       <p:sp>
         <p:nvSpPr>
-          <p:cNvPr id="212" name="Shape 212"/>
+          <p:cNvPr id="211" name="Shape 211"/>
           <p:cNvSpPr/>
           <p:nvPr>
             <p:ph idx="2" type="sldImg"/>
@@ -1118,7 +1119,7 @@
       </p:sp>
       <p:sp>
         <p:nvSpPr>
-          <p:cNvPr id="213" name="Shape 213"/>
+          <p:cNvPr id="212" name="Shape 212"/>
           <p:cNvSpPr txBox="1"/>
           <p:nvPr>
             <p:ph idx="1" type="body"/>
@@ -1165,7 +1166,7 @@
   <p:cSld>
     <p:spTree>
       <p:nvGrpSpPr>
-        <p:cNvPr id="219" name="Shape 219"/>
+        <p:cNvPr id="217" name="Shape 217"/>
         <p:cNvGrpSpPr/>
         <p:nvPr/>
       </p:nvGrpSpPr>
@@ -1179,7 +1180,7 @@
       </p:grpSpPr>
       <p:sp>
         <p:nvSpPr>
-          <p:cNvPr id="220" name="Shape 220"/>
+          <p:cNvPr id="218" name="Shape 218"/>
           <p:cNvSpPr/>
           <p:nvPr>
             <p:ph idx="2" type="sldImg"/>
@@ -1213,7 +1214,7 @@
       </p:sp>
       <p:sp>
         <p:nvSpPr>
-          <p:cNvPr id="221" name="Shape 221"/>
+          <p:cNvPr id="219" name="Shape 219"/>
           <p:cNvSpPr txBox="1"/>
           <p:nvPr>
             <p:ph idx="1" type="body"/>
@@ -1260,7 +1261,7 @@
   <p:cSld>
     <p:spTree>
       <p:nvGrpSpPr>
-        <p:cNvPr id="227" name="Shape 227"/>
+        <p:cNvPr id="224" name="Shape 224"/>
         <p:cNvGrpSpPr/>
         <p:nvPr/>
       </p:nvGrpSpPr>
@@ -1274,7 +1275,7 @@
       </p:grpSpPr>
       <p:sp>
         <p:nvSpPr>
-          <p:cNvPr id="228" name="Shape 228"/>
+          <p:cNvPr id="225" name="Shape 225"/>
           <p:cNvSpPr/>
           <p:nvPr>
             <p:ph idx="2" type="sldImg"/>
@@ -1308,7 +1309,7 @@
       </p:sp>
       <p:sp>
         <p:nvSpPr>
-          <p:cNvPr id="229" name="Shape 229"/>
+          <p:cNvPr id="226" name="Shape 226"/>
           <p:cNvSpPr txBox="1"/>
           <p:nvPr>
             <p:ph idx="1" type="body"/>
@@ -1355,7 +1356,7 @@
   <p:cSld>
     <p:spTree>
       <p:nvGrpSpPr>
-        <p:cNvPr id="235" name="Shape 235"/>
+        <p:cNvPr id="231" name="Shape 231"/>
         <p:cNvGrpSpPr/>
         <p:nvPr/>
       </p:nvGrpSpPr>
@@ -1369,7 +1370,7 @@
       </p:grpSpPr>
       <p:sp>
         <p:nvSpPr>
-          <p:cNvPr id="236" name="Shape 236"/>
+          <p:cNvPr id="232" name="Shape 232"/>
           <p:cNvSpPr/>
           <p:nvPr>
             <p:ph idx="2" type="sldImg"/>
@@ -1403,7 +1404,7 @@
       </p:sp>
       <p:sp>
         <p:nvSpPr>
-          <p:cNvPr id="237" name="Shape 237"/>
+          <p:cNvPr id="233" name="Shape 233"/>
           <p:cNvSpPr txBox="1"/>
           <p:nvPr>
             <p:ph idx="1" type="body"/>
@@ -1545,7 +1546,7 @@
   <p:cSld>
     <p:spTree>
       <p:nvGrpSpPr>
-        <p:cNvPr id="242" name="Shape 242"/>
+        <p:cNvPr id="238" name="Shape 238"/>
         <p:cNvGrpSpPr/>
         <p:nvPr/>
       </p:nvGrpSpPr>
@@ -1559,7 +1560,7 @@
       </p:grpSpPr>
       <p:sp>
         <p:nvSpPr>
-          <p:cNvPr id="243" name="Shape 243"/>
+          <p:cNvPr id="239" name="Shape 239"/>
           <p:cNvSpPr/>
           <p:nvPr>
             <p:ph idx="2" type="sldImg"/>
@@ -1593,7 +1594,7 @@
       </p:sp>
       <p:sp>
         <p:nvSpPr>
-          <p:cNvPr id="244" name="Shape 244"/>
+          <p:cNvPr id="240" name="Shape 240"/>
           <p:cNvSpPr txBox="1"/>
           <p:nvPr>
             <p:ph idx="1" type="body"/>
@@ -1640,7 +1641,7 @@
   <p:cSld>
     <p:spTree>
       <p:nvGrpSpPr>
-        <p:cNvPr id="249" name="Shape 249"/>
+        <p:cNvPr id="245" name="Shape 245"/>
         <p:cNvGrpSpPr/>
         <p:nvPr/>
       </p:nvGrpSpPr>
@@ -1654,7 +1655,7 @@
       </p:grpSpPr>
       <p:sp>
         <p:nvSpPr>
-          <p:cNvPr id="250" name="Shape 250"/>
+          <p:cNvPr id="246" name="Shape 246"/>
           <p:cNvSpPr/>
           <p:nvPr>
             <p:ph idx="2" type="sldImg"/>
@@ -1688,7 +1689,7 @@
       </p:sp>
       <p:sp>
         <p:nvSpPr>
-          <p:cNvPr id="251" name="Shape 251"/>
+          <p:cNvPr id="247" name="Shape 247"/>
           <p:cNvSpPr txBox="1"/>
           <p:nvPr>
             <p:ph idx="1" type="body"/>
@@ -1735,7 +1736,7 @@
   <p:cSld>
     <p:spTree>
       <p:nvGrpSpPr>
-        <p:cNvPr id="258" name="Shape 258"/>
+        <p:cNvPr id="253" name="Shape 253"/>
         <p:cNvGrpSpPr/>
         <p:nvPr/>
       </p:nvGrpSpPr>
@@ -1749,7 +1750,7 @@
       </p:grpSpPr>
       <p:sp>
         <p:nvSpPr>
-          <p:cNvPr id="259" name="Shape 259"/>
+          <p:cNvPr id="254" name="Shape 254"/>
           <p:cNvSpPr/>
           <p:nvPr>
             <p:ph idx="2" type="sldImg"/>
@@ -1783,7 +1784,7 @@
       </p:sp>
       <p:sp>
         <p:nvSpPr>
-          <p:cNvPr id="260" name="Shape 260"/>
+          <p:cNvPr id="255" name="Shape 255"/>
           <p:cNvSpPr txBox="1"/>
           <p:nvPr>
             <p:ph idx="1" type="body"/>
@@ -1830,7 +1831,7 @@
   <p:cSld>
     <p:spTree>
       <p:nvGrpSpPr>
-        <p:cNvPr id="265" name="Shape 265"/>
+        <p:cNvPr id="260" name="Shape 260"/>
         <p:cNvGrpSpPr/>
         <p:nvPr/>
       </p:nvGrpSpPr>
@@ -1844,7 +1845,7 @@
       </p:grpSpPr>
       <p:sp>
         <p:nvSpPr>
-          <p:cNvPr id="266" name="Shape 266"/>
+          <p:cNvPr id="261" name="Shape 261"/>
           <p:cNvSpPr/>
           <p:nvPr>
             <p:ph idx="2" type="sldImg"/>
@@ -1878,7 +1879,7 @@
       </p:sp>
       <p:sp>
         <p:nvSpPr>
-          <p:cNvPr id="267" name="Shape 267"/>
+          <p:cNvPr id="262" name="Shape 262"/>
           <p:cNvSpPr txBox="1"/>
           <p:nvPr>
             <p:ph idx="1" type="body"/>
@@ -1925,7 +1926,7 @@
   <p:cSld>
     <p:spTree>
       <p:nvGrpSpPr>
-        <p:cNvPr id="319" name="Shape 319"/>
+        <p:cNvPr id="314" name="Shape 314"/>
         <p:cNvGrpSpPr/>
         <p:nvPr/>
       </p:nvGrpSpPr>
@@ -1939,7 +1940,7 @@
       </p:grpSpPr>
       <p:sp>
         <p:nvSpPr>
-          <p:cNvPr id="320" name="Shape 320"/>
+          <p:cNvPr id="315" name="Shape 315"/>
           <p:cNvSpPr/>
           <p:nvPr>
             <p:ph idx="2" type="sldImg"/>
@@ -1973,7 +1974,7 @@
       </p:sp>
       <p:sp>
         <p:nvSpPr>
-          <p:cNvPr id="321" name="Shape 321"/>
+          <p:cNvPr id="316" name="Shape 316"/>
           <p:cNvSpPr txBox="1"/>
           <p:nvPr>
             <p:ph idx="1" type="body"/>
@@ -2015,12 +2016,12 @@
 </p:notes>
 </file>
 
-<file path=ppt/notesSlides/notesSlide3.xml><?xml version="1.0" encoding="utf-8"?>
+<file path=ppt/notesSlides/notesSlide25.xml><?xml version="1.0" encoding="utf-8"?>
 <p:notes xmlns:a="http://schemas.openxmlformats.org/drawingml/2006/main" xmlns:r="http://schemas.openxmlformats.org/officeDocument/2006/relationships" xmlns:mc="http://schemas.openxmlformats.org/markup-compatibility/2006" xmlns:mv="urn:schemas-microsoft-com:mac:vml" xmlns:p="http://schemas.openxmlformats.org/presentationml/2006/main" xmlns:c="http://schemas.openxmlformats.org/drawingml/2006/chart" xmlns:dgm="http://schemas.openxmlformats.org/drawingml/2006/diagram" xmlns:o="urn:schemas-microsoft-com:office:office" xmlns:v="urn:schemas-microsoft-com:vml" xmlns:pvml="urn:schemas-microsoft-com:office:powerpoint" xmlns:com="http://schemas.openxmlformats.org/drawingml/2006/compatibility" xmlns:p14="http://schemas.microsoft.com/office/powerpoint/2010/main" showMasterPhAnim="0" showMasterSp="0">
   <p:cSld>
     <p:spTree>
       <p:nvGrpSpPr>
-        <p:cNvPr id="71" name="Shape 71"/>
+        <p:cNvPr id="321" name="Shape 321"/>
         <p:cNvGrpSpPr/>
         <p:nvPr/>
       </p:nvGrpSpPr>
@@ -2034,7 +2035,7 @@
       </p:grpSpPr>
       <p:sp>
         <p:nvSpPr>
-          <p:cNvPr id="72" name="Shape 72"/>
+          <p:cNvPr id="322" name="Shape 322"/>
           <p:cNvSpPr/>
           <p:nvPr>
             <p:ph idx="2" type="sldImg"/>
@@ -2068,7 +2069,102 @@
       </p:sp>
       <p:sp>
         <p:nvSpPr>
+          <p:cNvPr id="323" name="Shape 323"/>
+          <p:cNvSpPr txBox="1"/>
+          <p:nvPr>
+            <p:ph idx="1" type="body"/>
+          </p:nvPr>
+        </p:nvSpPr>
+        <p:spPr>
+          <a:xfrm>
+            <a:off x="685800" y="4343400"/>
+            <a:ext cx="5486400" cy="4114800"/>
+          </a:xfrm>
+          <a:prstGeom prst="rect">
+            <a:avLst/>
+          </a:prstGeom>
+        </p:spPr>
+        <p:txBody>
+          <a:bodyPr anchorCtr="0" anchor="t" bIns="91425" lIns="91425" rIns="91425" tIns="91425">
+            <a:noAutofit/>
+          </a:bodyPr>
+          <a:lstStyle/>
+          <a:p>
+            <a:pPr lvl="0" rtl="0">
+              <a:spcBef>
+                <a:spcPts val="0"/>
+              </a:spcBef>
+              <a:buNone/>
+            </a:pPr>
+            <a:r>
+              <a:t/>
+            </a:r>
+            <a:endParaRPr/>
+          </a:p>
+        </p:txBody>
+      </p:sp>
+    </p:spTree>
+  </p:cSld>
+  <p:clrMapOvr>
+    <a:masterClrMapping/>
+  </p:clrMapOvr>
+</p:notes>
+</file>
+
+<file path=ppt/notesSlides/notesSlide3.xml><?xml version="1.0" encoding="utf-8"?>
+<p:notes xmlns:a="http://schemas.openxmlformats.org/drawingml/2006/main" xmlns:r="http://schemas.openxmlformats.org/officeDocument/2006/relationships" xmlns:mc="http://schemas.openxmlformats.org/markup-compatibility/2006" xmlns:mv="urn:schemas-microsoft-com:mac:vml" xmlns:p="http://schemas.openxmlformats.org/presentationml/2006/main" xmlns:c="http://schemas.openxmlformats.org/drawingml/2006/chart" xmlns:dgm="http://schemas.openxmlformats.org/drawingml/2006/diagram" xmlns:o="urn:schemas-microsoft-com:office:office" xmlns:v="urn:schemas-microsoft-com:vml" xmlns:pvml="urn:schemas-microsoft-com:office:powerpoint" xmlns:com="http://schemas.openxmlformats.org/drawingml/2006/compatibility" xmlns:p14="http://schemas.microsoft.com/office/powerpoint/2010/main" showMasterPhAnim="0" showMasterSp="0">
+  <p:cSld>
+    <p:spTree>
+      <p:nvGrpSpPr>
+        <p:cNvPr id="72" name="Shape 72"/>
+        <p:cNvGrpSpPr/>
+        <p:nvPr/>
+      </p:nvGrpSpPr>
+      <p:grpSpPr>
+        <a:xfrm>
+          <a:off x="0" y="0"/>
+          <a:ext cx="0" cy="0"/>
+          <a:chOff x="0" y="0"/>
+          <a:chExt cx="0" cy="0"/>
+        </a:xfrm>
+      </p:grpSpPr>
+      <p:sp>
+        <p:nvSpPr>
           <p:cNvPr id="73" name="Shape 73"/>
+          <p:cNvSpPr/>
+          <p:nvPr>
+            <p:ph idx="2" type="sldImg"/>
+          </p:nvPr>
+        </p:nvSpPr>
+        <p:spPr>
+          <a:xfrm>
+            <a:off x="381300" y="685800"/>
+            <a:ext cx="6096000" cy="3429000"/>
+          </a:xfrm>
+          <a:custGeom>
+            <a:pathLst>
+              <a:path extrusionOk="0" h="120000" w="120000">
+                <a:moveTo>
+                  <a:pt x="0" y="0"/>
+                </a:moveTo>
+                <a:lnTo>
+                  <a:pt x="120000" y="0"/>
+                </a:lnTo>
+                <a:lnTo>
+                  <a:pt x="120000" y="120000"/>
+                </a:lnTo>
+                <a:lnTo>
+                  <a:pt x="0" y="120000"/>
+                </a:lnTo>
+                <a:close/>
+              </a:path>
+            </a:pathLst>
+          </a:custGeom>
+        </p:spPr>
+      </p:sp>
+      <p:sp>
+        <p:nvSpPr>
+          <p:cNvPr id="74" name="Shape 74"/>
           <p:cNvSpPr txBox="1"/>
           <p:nvPr>
             <p:ph idx="1" type="body"/>
@@ -2400,7 +2496,7 @@
   <p:cSld>
     <p:spTree>
       <p:nvGrpSpPr>
-        <p:cNvPr id="105" name="Shape 105"/>
+        <p:cNvPr id="104" name="Shape 104"/>
         <p:cNvGrpSpPr/>
         <p:nvPr/>
       </p:nvGrpSpPr>
@@ -2414,7 +2510,7 @@
       </p:grpSpPr>
       <p:sp>
         <p:nvSpPr>
-          <p:cNvPr id="106" name="Shape 106"/>
+          <p:cNvPr id="105" name="Shape 105"/>
           <p:cNvSpPr/>
           <p:nvPr>
             <p:ph idx="2" type="sldImg"/>
@@ -2448,7 +2544,7 @@
       </p:sp>
       <p:sp>
         <p:nvSpPr>
-          <p:cNvPr id="107" name="Shape 107"/>
+          <p:cNvPr id="106" name="Shape 106"/>
           <p:cNvSpPr txBox="1"/>
           <p:nvPr>
             <p:ph idx="1" type="body"/>
@@ -2495,7 +2591,7 @@
   <p:cSld>
     <p:spTree>
       <p:nvGrpSpPr>
-        <p:cNvPr id="144" name="Shape 144"/>
+        <p:cNvPr id="143" name="Shape 143"/>
         <p:cNvGrpSpPr/>
         <p:nvPr/>
       </p:nvGrpSpPr>
@@ -2509,7 +2605,7 @@
       </p:grpSpPr>
       <p:sp>
         <p:nvSpPr>
-          <p:cNvPr id="145" name="Shape 145"/>
+          <p:cNvPr id="144" name="Shape 144"/>
           <p:cNvSpPr/>
           <p:nvPr>
             <p:ph idx="2" type="sldImg"/>
@@ -2543,7 +2639,7 @@
       </p:sp>
       <p:sp>
         <p:nvSpPr>
-          <p:cNvPr id="146" name="Shape 146"/>
+          <p:cNvPr id="145" name="Shape 145"/>
           <p:cNvSpPr txBox="1"/>
           <p:nvPr>
             <p:ph idx="1" type="body"/>
@@ -2590,7 +2686,7 @@
   <p:cSld>
     <p:spTree>
       <p:nvGrpSpPr>
-        <p:cNvPr id="155" name="Shape 155"/>
+        <p:cNvPr id="154" name="Shape 154"/>
         <p:cNvGrpSpPr/>
         <p:nvPr/>
       </p:nvGrpSpPr>
@@ -2604,7 +2700,7 @@
       </p:grpSpPr>
       <p:sp>
         <p:nvSpPr>
-          <p:cNvPr id="156" name="Shape 156"/>
+          <p:cNvPr id="155" name="Shape 155"/>
           <p:cNvSpPr/>
           <p:nvPr>
             <p:ph idx="2" type="sldImg"/>
@@ -2638,7 +2734,7 @@
       </p:sp>
       <p:sp>
         <p:nvSpPr>
-          <p:cNvPr id="157" name="Shape 157"/>
+          <p:cNvPr id="156" name="Shape 156"/>
           <p:cNvSpPr txBox="1"/>
           <p:nvPr>
             <p:ph idx="1" type="body"/>
@@ -6564,7 +6660,7 @@
   <p:cSld>
     <p:spTree>
       <p:nvGrpSpPr>
-        <p:cNvPr id="168" name="Shape 168"/>
+        <p:cNvPr id="167" name="Shape 167"/>
         <p:cNvGrpSpPr/>
         <p:nvPr/>
       </p:nvGrpSpPr>
@@ -6578,7 +6674,7 @@
       </p:grpSpPr>
       <p:sp>
         <p:nvSpPr>
-          <p:cNvPr id="169" name="Shape 169"/>
+          <p:cNvPr id="168" name="Shape 168"/>
           <p:cNvSpPr txBox="1"/>
           <p:nvPr>
             <p:ph type="title"/>
@@ -6614,7 +6710,7 @@
       </p:sp>
       <p:sp>
         <p:nvSpPr>
-          <p:cNvPr id="170" name="Shape 170"/>
+          <p:cNvPr id="169" name="Shape 169"/>
           <p:cNvSpPr txBox="1"/>
           <p:nvPr>
             <p:ph idx="1" type="body"/>
@@ -6758,7 +6854,7 @@
       </p:sp>
       <p:pic>
         <p:nvPicPr>
-          <p:cNvPr id="171" name="Shape 171"/>
+          <p:cNvPr id="170" name="Shape 170"/>
           <p:cNvPicPr preferRelativeResize="0"/>
           <p:nvPr/>
         </p:nvPicPr>
@@ -6786,7 +6882,7 @@
       </p:pic>
       <p:sp>
         <p:nvSpPr>
-          <p:cNvPr id="172" name="Shape 172"/>
+          <p:cNvPr id="171" name="Shape 171"/>
           <p:cNvSpPr/>
           <p:nvPr/>
         </p:nvSpPr>
@@ -6850,7 +6946,7 @@
       </p:sp>
       <p:pic>
         <p:nvPicPr>
-          <p:cNvPr id="173" name="Shape 173"/>
+          <p:cNvPr id="172" name="Shape 172"/>
           <p:cNvPicPr preferRelativeResize="0"/>
           <p:nvPr/>
         </p:nvPicPr>
@@ -6889,7 +6985,7 @@
   <p:cSld>
     <p:spTree>
       <p:nvGrpSpPr>
-        <p:cNvPr id="177" name="Shape 177"/>
+        <p:cNvPr id="176" name="Shape 176"/>
         <p:cNvGrpSpPr/>
         <p:nvPr/>
       </p:nvGrpSpPr>
@@ -6903,7 +6999,7 @@
       </p:grpSpPr>
       <p:sp>
         <p:nvSpPr>
-          <p:cNvPr id="178" name="Shape 178"/>
+          <p:cNvPr id="177" name="Shape 177"/>
           <p:cNvSpPr txBox="1"/>
           <p:nvPr>
             <p:ph type="title"/>
@@ -6939,7 +7035,7 @@
       </p:sp>
       <p:sp>
         <p:nvSpPr>
-          <p:cNvPr id="179" name="Shape 179"/>
+          <p:cNvPr id="178" name="Shape 178"/>
           <p:cNvSpPr txBox="1"/>
           <p:nvPr>
             <p:ph idx="1" type="body"/>
@@ -7143,7 +7239,7 @@
       </p:sp>
       <p:pic>
         <p:nvPicPr>
-          <p:cNvPr id="180" name="Shape 180"/>
+          <p:cNvPr id="179" name="Shape 179"/>
           <p:cNvPicPr preferRelativeResize="0"/>
           <p:nvPr/>
         </p:nvPicPr>
@@ -7171,7 +7267,7 @@
       </p:pic>
       <p:sp>
         <p:nvSpPr>
-          <p:cNvPr id="181" name="Shape 181"/>
+          <p:cNvPr id="180" name="Shape 180"/>
           <p:cNvSpPr txBox="1"/>
           <p:nvPr/>
         </p:nvSpPr>
@@ -7404,7 +7500,7 @@
   <p:cSld>
     <p:spTree>
       <p:nvGrpSpPr>
-        <p:cNvPr id="185" name="Shape 185"/>
+        <p:cNvPr id="184" name="Shape 184"/>
         <p:cNvGrpSpPr/>
         <p:nvPr/>
       </p:nvGrpSpPr>
@@ -7418,7 +7514,7 @@
       </p:grpSpPr>
       <p:sp>
         <p:nvSpPr>
-          <p:cNvPr id="186" name="Shape 186"/>
+          <p:cNvPr id="185" name="Shape 185"/>
           <p:cNvSpPr txBox="1"/>
           <p:nvPr>
             <p:ph type="title"/>
@@ -7454,7 +7550,7 @@
       </p:sp>
       <p:sp>
         <p:nvSpPr>
-          <p:cNvPr id="187" name="Shape 187"/>
+          <p:cNvPr id="186" name="Shape 186"/>
           <p:cNvSpPr txBox="1"/>
           <p:nvPr>
             <p:ph idx="1" type="body"/>
@@ -7637,7 +7733,7 @@
       </p:sp>
       <p:pic>
         <p:nvPicPr>
-          <p:cNvPr id="188" name="Shape 188"/>
+          <p:cNvPr id="187" name="Shape 187"/>
           <p:cNvPicPr preferRelativeResize="0"/>
           <p:nvPr/>
         </p:nvPicPr>
@@ -7665,7 +7761,7 @@
       </p:pic>
       <p:sp>
         <p:nvSpPr>
-          <p:cNvPr id="189" name="Shape 189"/>
+          <p:cNvPr id="188" name="Shape 188"/>
           <p:cNvSpPr txBox="1"/>
           <p:nvPr/>
         </p:nvSpPr>
@@ -7910,7 +8006,7 @@
   <p:cSld>
     <p:spTree>
       <p:nvGrpSpPr>
-        <p:cNvPr id="193" name="Shape 193"/>
+        <p:cNvPr id="192" name="Shape 192"/>
         <p:cNvGrpSpPr/>
         <p:nvPr/>
       </p:nvGrpSpPr>
@@ -7924,7 +8020,7 @@
       </p:grpSpPr>
       <p:sp>
         <p:nvSpPr>
-          <p:cNvPr id="194" name="Shape 194"/>
+          <p:cNvPr id="193" name="Shape 193"/>
           <p:cNvSpPr txBox="1"/>
           <p:nvPr>
             <p:ph type="title"/>
@@ -7960,7 +8056,7 @@
       </p:sp>
       <p:sp>
         <p:nvSpPr>
-          <p:cNvPr id="195" name="Shape 195"/>
+          <p:cNvPr id="194" name="Shape 194"/>
           <p:cNvSpPr txBox="1"/>
           <p:nvPr>
             <p:ph idx="1" type="body"/>
@@ -8061,7 +8157,7 @@
       </p:sp>
       <p:pic>
         <p:nvPicPr>
-          <p:cNvPr id="196" name="Shape 196"/>
+          <p:cNvPr id="195" name="Shape 195"/>
           <p:cNvPicPr preferRelativeResize="0"/>
           <p:nvPr/>
         </p:nvPicPr>
@@ -8100,7 +8196,7 @@
   <p:cSld>
     <p:spTree>
       <p:nvGrpSpPr>
-        <p:cNvPr id="200" name="Shape 200"/>
+        <p:cNvPr id="199" name="Shape 199"/>
         <p:cNvGrpSpPr/>
         <p:nvPr/>
       </p:nvGrpSpPr>
@@ -8114,7 +8210,7 @@
       </p:grpSpPr>
       <p:sp>
         <p:nvSpPr>
-          <p:cNvPr id="201" name="Shape 201"/>
+          <p:cNvPr id="200" name="Shape 200"/>
           <p:cNvSpPr txBox="1"/>
           <p:nvPr>
             <p:ph type="title"/>
@@ -8150,7 +8246,7 @@
       </p:sp>
       <p:sp>
         <p:nvSpPr>
-          <p:cNvPr id="202" name="Shape 202"/>
+          <p:cNvPr id="201" name="Shape 201"/>
           <p:cNvSpPr txBox="1"/>
           <p:nvPr>
             <p:ph idx="1" type="body"/>
@@ -8266,7 +8362,7 @@
       </p:sp>
       <p:pic>
         <p:nvPicPr>
-          <p:cNvPr id="203" name="Shape 203"/>
+          <p:cNvPr id="202" name="Shape 202"/>
           <p:cNvPicPr preferRelativeResize="0"/>
           <p:nvPr/>
         </p:nvPicPr>
@@ -8305,7 +8401,7 @@
   <p:cSld>
     <p:spTree>
       <p:nvGrpSpPr>
-        <p:cNvPr id="207" name="Shape 207"/>
+        <p:cNvPr id="206" name="Shape 206"/>
         <p:cNvGrpSpPr/>
         <p:nvPr/>
       </p:nvGrpSpPr>
@@ -8319,7 +8415,7 @@
       </p:grpSpPr>
       <p:sp>
         <p:nvSpPr>
-          <p:cNvPr id="208" name="Shape 208"/>
+          <p:cNvPr id="207" name="Shape 207"/>
           <p:cNvSpPr txBox="1"/>
           <p:nvPr>
             <p:ph type="title"/>
@@ -8355,7 +8451,7 @@
       </p:sp>
       <p:sp>
         <p:nvSpPr>
-          <p:cNvPr id="209" name="Shape 209"/>
+          <p:cNvPr id="208" name="Shape 208"/>
           <p:cNvSpPr txBox="1"/>
           <p:nvPr>
             <p:ph idx="1" type="body"/>
@@ -8491,7 +8587,7 @@
       </p:sp>
       <p:pic>
         <p:nvPicPr>
-          <p:cNvPr id="210" name="Shape 210"/>
+          <p:cNvPr id="209" name="Shape 209"/>
           <p:cNvPicPr preferRelativeResize="0"/>
           <p:nvPr/>
         </p:nvPicPr>
@@ -8530,7 +8626,7 @@
   <p:cSld>
     <p:spTree>
       <p:nvGrpSpPr>
-        <p:cNvPr id="214" name="Shape 214"/>
+        <p:cNvPr id="213" name="Shape 213"/>
         <p:cNvGrpSpPr/>
         <p:nvPr/>
       </p:nvGrpSpPr>
@@ -8544,7 +8640,7 @@
       </p:grpSpPr>
       <p:sp>
         <p:nvSpPr>
-          <p:cNvPr id="215" name="Shape 215"/>
+          <p:cNvPr id="214" name="Shape 214"/>
           <p:cNvSpPr txBox="1"/>
           <p:nvPr>
             <p:ph type="title"/>
@@ -8573,14 +8669,14 @@
             </a:pPr>
             <a:r>
               <a:rPr lang="en"/>
-              <a:t>TypeScript</a:t>
+              <a:t>TypeScript - Brief Overview</a:t>
             </a:r>
           </a:p>
         </p:txBody>
       </p:sp>
       <p:sp>
         <p:nvSpPr>
-          <p:cNvPr id="216" name="Shape 216"/>
+          <p:cNvPr id="215" name="Shape 215"/>
           <p:cNvSpPr txBox="1"/>
           <p:nvPr>
             <p:ph idx="1" type="body"/>
@@ -8689,7 +8785,7 @@
       </p:sp>
       <p:pic>
         <p:nvPicPr>
-          <p:cNvPr id="217" name="Shape 217"/>
+          <p:cNvPr id="216" name="Shape 216"/>
           <p:cNvPicPr preferRelativeResize="0"/>
           <p:nvPr/>
         </p:nvPicPr>
@@ -8715,48 +8811,6 @@
           </a:ln>
         </p:spPr>
       </p:pic>
-      <p:sp>
-        <p:nvSpPr>
-          <p:cNvPr id="218" name="Shape 218"/>
-          <p:cNvSpPr txBox="1"/>
-          <p:nvPr/>
-        </p:nvSpPr>
-        <p:spPr>
-          <a:xfrm>
-            <a:off x="5614200" y="4609800"/>
-            <a:ext cx="3453600" cy="533700"/>
-          </a:xfrm>
-          <a:prstGeom prst="rect">
-            <a:avLst/>
-          </a:prstGeom>
-          <a:noFill/>
-          <a:ln>
-            <a:noFill/>
-          </a:ln>
-        </p:spPr>
-        <p:txBody>
-          <a:bodyPr anchorCtr="0" anchor="ctr" bIns="91425" lIns="91425" rIns="91425" tIns="91425">
-            <a:noAutofit/>
-          </a:bodyPr>
-          <a:lstStyle/>
-          <a:p>
-            <a:pPr lvl="0" rtl="0">
-              <a:spcBef>
-                <a:spcPts val="0"/>
-              </a:spcBef>
-              <a:buNone/>
-            </a:pPr>
-            <a:r>
-              <a:rPr lang="en">
-                <a:solidFill>
-                  <a:srgbClr val="D9D9D9"/>
-                </a:solidFill>
-              </a:rPr>
-              <a:t>https://www.typescriptlang.org/index.html</a:t>
-            </a:r>
-          </a:p>
-        </p:txBody>
-      </p:sp>
     </p:spTree>
   </p:cSld>
   <p:clrMapOvr>
@@ -8770,7 +8824,7 @@
   <p:cSld>
     <p:spTree>
       <p:nvGrpSpPr>
-        <p:cNvPr id="222" name="Shape 222"/>
+        <p:cNvPr id="220" name="Shape 220"/>
         <p:cNvGrpSpPr/>
         <p:nvPr/>
       </p:nvGrpSpPr>
@@ -8784,7 +8838,7 @@
       </p:grpSpPr>
       <p:sp>
         <p:nvSpPr>
-          <p:cNvPr id="223" name="Shape 223"/>
+          <p:cNvPr id="221" name="Shape 221"/>
           <p:cNvSpPr txBox="1"/>
           <p:nvPr>
             <p:ph type="title"/>
@@ -8820,7 +8874,7 @@
       </p:sp>
       <p:sp>
         <p:nvSpPr>
-          <p:cNvPr id="224" name="Shape 224"/>
+          <p:cNvPr id="222" name="Shape 222"/>
           <p:cNvSpPr txBox="1"/>
           <p:nvPr>
             <p:ph idx="1" type="body"/>
@@ -9000,7 +9054,7 @@
       </p:sp>
       <p:pic>
         <p:nvPicPr>
-          <p:cNvPr id="225" name="Shape 225"/>
+          <p:cNvPr id="223" name="Shape 223"/>
           <p:cNvPicPr preferRelativeResize="0"/>
           <p:nvPr/>
         </p:nvPicPr>
@@ -9026,48 +9080,6 @@
           </a:ln>
         </p:spPr>
       </p:pic>
-      <p:sp>
-        <p:nvSpPr>
-          <p:cNvPr id="226" name="Shape 226"/>
-          <p:cNvSpPr txBox="1"/>
-          <p:nvPr/>
-        </p:nvSpPr>
-        <p:spPr>
-          <a:xfrm>
-            <a:off x="5614200" y="4609800"/>
-            <a:ext cx="3453600" cy="533700"/>
-          </a:xfrm>
-          <a:prstGeom prst="rect">
-            <a:avLst/>
-          </a:prstGeom>
-          <a:noFill/>
-          <a:ln>
-            <a:noFill/>
-          </a:ln>
-        </p:spPr>
-        <p:txBody>
-          <a:bodyPr anchorCtr="0" anchor="ctr" bIns="91425" lIns="91425" rIns="91425" tIns="91425">
-            <a:noAutofit/>
-          </a:bodyPr>
-          <a:lstStyle/>
-          <a:p>
-            <a:pPr lvl="0" rtl="0">
-              <a:spcBef>
-                <a:spcPts val="0"/>
-              </a:spcBef>
-              <a:buNone/>
-            </a:pPr>
-            <a:r>
-              <a:rPr lang="en">
-                <a:solidFill>
-                  <a:srgbClr val="D9D9D9"/>
-                </a:solidFill>
-              </a:rPr>
-              <a:t>https://www.typescriptlang.org/index.html</a:t>
-            </a:r>
-          </a:p>
-        </p:txBody>
-      </p:sp>
     </p:spTree>
   </p:cSld>
   <p:clrMapOvr>
@@ -9081,7 +9093,7 @@
   <p:cSld>
     <p:spTree>
       <p:nvGrpSpPr>
-        <p:cNvPr id="230" name="Shape 230"/>
+        <p:cNvPr id="227" name="Shape 227"/>
         <p:cNvGrpSpPr/>
         <p:nvPr/>
       </p:nvGrpSpPr>
@@ -9095,7 +9107,7 @@
       </p:grpSpPr>
       <p:sp>
         <p:nvSpPr>
-          <p:cNvPr id="231" name="Shape 231"/>
+          <p:cNvPr id="228" name="Shape 228"/>
           <p:cNvSpPr txBox="1"/>
           <p:nvPr>
             <p:ph type="title"/>
@@ -9131,7 +9143,7 @@
       </p:sp>
       <p:sp>
         <p:nvSpPr>
-          <p:cNvPr id="232" name="Shape 232"/>
+          <p:cNvPr id="229" name="Shape 229"/>
           <p:cNvSpPr txBox="1"/>
           <p:nvPr>
             <p:ph idx="1" type="body"/>
@@ -9326,7 +9338,7 @@
       </p:sp>
       <p:pic>
         <p:nvPicPr>
-          <p:cNvPr id="233" name="Shape 233"/>
+          <p:cNvPr id="230" name="Shape 230"/>
           <p:cNvPicPr preferRelativeResize="0"/>
           <p:nvPr/>
         </p:nvPicPr>
@@ -9352,48 +9364,6 @@
           </a:ln>
         </p:spPr>
       </p:pic>
-      <p:sp>
-        <p:nvSpPr>
-          <p:cNvPr id="234" name="Shape 234"/>
-          <p:cNvSpPr txBox="1"/>
-          <p:nvPr/>
-        </p:nvSpPr>
-        <p:spPr>
-          <a:xfrm>
-            <a:off x="5614200" y="4609800"/>
-            <a:ext cx="3453600" cy="533700"/>
-          </a:xfrm>
-          <a:prstGeom prst="rect">
-            <a:avLst/>
-          </a:prstGeom>
-          <a:noFill/>
-          <a:ln>
-            <a:noFill/>
-          </a:ln>
-        </p:spPr>
-        <p:txBody>
-          <a:bodyPr anchorCtr="0" anchor="ctr" bIns="91425" lIns="91425" rIns="91425" tIns="91425">
-            <a:noAutofit/>
-          </a:bodyPr>
-          <a:lstStyle/>
-          <a:p>
-            <a:pPr lvl="0" rtl="0">
-              <a:spcBef>
-                <a:spcPts val="0"/>
-              </a:spcBef>
-              <a:buNone/>
-            </a:pPr>
-            <a:r>
-              <a:rPr lang="en">
-                <a:solidFill>
-                  <a:srgbClr val="D9D9D9"/>
-                </a:solidFill>
-              </a:rPr>
-              <a:t>https://www.typescriptlang.org/index.html</a:t>
-            </a:r>
-          </a:p>
-        </p:txBody>
-      </p:sp>
     </p:spTree>
   </p:cSld>
   <p:clrMapOvr>
@@ -9407,7 +9377,7 @@
   <p:cSld>
     <p:spTree>
       <p:nvGrpSpPr>
-        <p:cNvPr id="238" name="Shape 238"/>
+        <p:cNvPr id="234" name="Shape 234"/>
         <p:cNvGrpSpPr/>
         <p:nvPr/>
       </p:nvGrpSpPr>
@@ -9421,7 +9391,7 @@
       </p:grpSpPr>
       <p:sp>
         <p:nvSpPr>
-          <p:cNvPr id="239" name="Shape 239"/>
+          <p:cNvPr id="235" name="Shape 235"/>
           <p:cNvSpPr txBox="1"/>
           <p:nvPr>
             <p:ph type="title"/>
@@ -9457,7 +9427,7 @@
       </p:sp>
       <p:pic>
         <p:nvPicPr>
-          <p:cNvPr id="240" name="Shape 240"/>
+          <p:cNvPr id="236" name="Shape 236"/>
           <p:cNvPicPr preferRelativeResize="0"/>
           <p:nvPr/>
         </p:nvPicPr>
@@ -9485,7 +9455,7 @@
       </p:pic>
       <p:pic>
         <p:nvPicPr>
-          <p:cNvPr id="241" name="Shape 241"/>
+          <p:cNvPr id="237" name="Shape 237"/>
           <p:cNvPicPr preferRelativeResize="0"/>
           <p:nvPr/>
         </p:nvPicPr>
@@ -9663,11 +9633,11 @@
             </a:pPr>
             <a:r>
               <a:rPr lang="en"/>
-              <a:t>AngularJS - Architecture - Building blocks</a:t>
-            </a:r>
-          </a:p>
-          <a:p>
-            <a:pPr lvl="0" rtl="0">
+              <a:t>AngularJS </a:t>
+            </a:r>
+          </a:p>
+          <a:p>
+            <a:pPr indent="0" lvl="0" marL="457200" rtl="0">
               <a:lnSpc>
                 <a:spcPct val="150000"/>
               </a:lnSpc>
@@ -9681,11 +9651,11 @@
             </a:pPr>
             <a:r>
               <a:rPr lang="en"/>
-              <a:t>AngularJS - Features</a:t>
-            </a:r>
-          </a:p>
-          <a:p>
-            <a:pPr lvl="0" rtl="0">
+              <a:t>Architecture</a:t>
+            </a:r>
+          </a:p>
+          <a:p>
+            <a:pPr indent="0" lvl="0" marL="457200" rtl="0">
               <a:lnSpc>
                 <a:spcPct val="150000"/>
               </a:lnSpc>
@@ -9699,11 +9669,11 @@
             </a:pPr>
             <a:r>
               <a:rPr lang="en"/>
-              <a:t>AngularJS - Quick Start</a:t>
-            </a:r>
-          </a:p>
-          <a:p>
-            <a:pPr lvl="0" rtl="0">
+              <a:t>Features</a:t>
+            </a:r>
+          </a:p>
+          <a:p>
+            <a:pPr indent="457200" lvl="0" rtl="0">
               <a:lnSpc>
                 <a:spcPct val="150000"/>
               </a:lnSpc>
@@ -9717,7 +9687,25 @@
             </a:pPr>
             <a:r>
               <a:rPr lang="en"/>
-              <a:t>Comparison - “Big 4”</a:t>
+              <a:t>Quick Start</a:t>
+            </a:r>
+          </a:p>
+          <a:p>
+            <a:pPr indent="0" lvl="0" marL="0" rtl="0">
+              <a:lnSpc>
+                <a:spcPct val="150000"/>
+              </a:lnSpc>
+              <a:spcBef>
+                <a:spcPts val="0"/>
+              </a:spcBef>
+              <a:spcAft>
+                <a:spcPts val="0"/>
+              </a:spcAft>
+              <a:buNone/>
+            </a:pPr>
+            <a:r>
+              <a:rPr lang="en"/>
+              <a:t>TypeScript - Brief </a:t>
             </a:r>
           </a:p>
           <a:p>
@@ -9810,6 +9798,78 @@
           </a:ln>
         </p:spPr>
       </p:pic>
+      <p:sp>
+        <p:nvSpPr>
+          <p:cNvPr id="71" name="Shape 71"/>
+          <p:cNvSpPr txBox="1"/>
+          <p:nvPr/>
+        </p:nvSpPr>
+        <p:spPr>
+          <a:xfrm>
+            <a:off x="4812250" y="1152475"/>
+            <a:ext cx="3000000" cy="981900"/>
+          </a:xfrm>
+          <a:prstGeom prst="rect">
+            <a:avLst/>
+          </a:prstGeom>
+          <a:noFill/>
+          <a:ln>
+            <a:noFill/>
+          </a:ln>
+        </p:spPr>
+        <p:txBody>
+          <a:bodyPr anchorCtr="0" anchor="ctr" bIns="91425" lIns="91425" rIns="91425" tIns="91425">
+            <a:noAutofit/>
+          </a:bodyPr>
+          <a:lstStyle/>
+          <a:p>
+            <a:pPr lvl="0" rtl="0">
+              <a:lnSpc>
+                <a:spcPct val="150000"/>
+              </a:lnSpc>
+              <a:spcBef>
+                <a:spcPts val="0"/>
+              </a:spcBef>
+              <a:buNone/>
+            </a:pPr>
+            <a:r>
+              <a:rPr lang="en" sz="1800">
+                <a:solidFill>
+                  <a:schemeClr val="accent3"/>
+                </a:solidFill>
+                <a:latin typeface="Average"/>
+                <a:ea typeface="Average"/>
+                <a:cs typeface="Average"/>
+                <a:sym typeface="Average"/>
+              </a:rPr>
+              <a:t>Demo</a:t>
+            </a:r>
+          </a:p>
+          <a:p>
+            <a:pPr lvl="0" rtl="0">
+              <a:lnSpc>
+                <a:spcPct val="150000"/>
+              </a:lnSpc>
+              <a:spcBef>
+                <a:spcPts val="0"/>
+              </a:spcBef>
+              <a:buNone/>
+            </a:pPr>
+            <a:r>
+              <a:rPr lang="en" sz="1800">
+                <a:solidFill>
+                  <a:schemeClr val="accent3"/>
+                </a:solidFill>
+                <a:latin typeface="Average"/>
+                <a:ea typeface="Average"/>
+                <a:cs typeface="Average"/>
+                <a:sym typeface="Average"/>
+              </a:rPr>
+              <a:t>Comparison - “Big 4”</a:t>
+            </a:r>
+          </a:p>
+        </p:txBody>
+      </p:sp>
     </p:spTree>
   </p:cSld>
   <p:clrMapOvr>
@@ -9823,7 +9883,7 @@
   <p:cSld>
     <p:spTree>
       <p:nvGrpSpPr>
-        <p:cNvPr id="245" name="Shape 245"/>
+        <p:cNvPr id="241" name="Shape 241"/>
         <p:cNvGrpSpPr/>
         <p:nvPr/>
       </p:nvGrpSpPr>
@@ -9837,7 +9897,7 @@
       </p:grpSpPr>
       <p:sp>
         <p:nvSpPr>
-          <p:cNvPr id="246" name="Shape 246"/>
+          <p:cNvPr id="242" name="Shape 242"/>
           <p:cNvSpPr txBox="1"/>
           <p:nvPr>
             <p:ph type="title"/>
@@ -9873,7 +9933,7 @@
       </p:sp>
       <p:pic>
         <p:nvPicPr>
-          <p:cNvPr id="247" name="Shape 247"/>
+          <p:cNvPr id="243" name="Shape 243"/>
           <p:cNvPicPr preferRelativeResize="0"/>
           <p:nvPr/>
         </p:nvPicPr>
@@ -9901,7 +9961,7 @@
       </p:pic>
       <p:sp>
         <p:nvSpPr>
-          <p:cNvPr id="248" name="Shape 248"/>
+          <p:cNvPr id="244" name="Shape 244"/>
           <p:cNvSpPr txBox="1"/>
           <p:nvPr/>
         </p:nvSpPr>
@@ -9936,7 +9996,7 @@
                   <a:srgbClr val="D9D9D9"/>
                 </a:solidFill>
               </a:rPr>
-              <a:t>Start  from Quick Start </a:t>
+              <a:t>Start from Quick Start or clone </a:t>
             </a:r>
           </a:p>
           <a:p>
@@ -10170,7 +10230,7 @@
   <p:cSld>
     <p:spTree>
       <p:nvGrpSpPr>
-        <p:cNvPr id="252" name="Shape 252"/>
+        <p:cNvPr id="248" name="Shape 248"/>
         <p:cNvGrpSpPr/>
         <p:nvPr/>
       </p:nvGrpSpPr>
@@ -10184,7 +10244,7 @@
       </p:grpSpPr>
       <p:sp>
         <p:nvSpPr>
-          <p:cNvPr id="253" name="Shape 253"/>
+          <p:cNvPr id="249" name="Shape 249"/>
           <p:cNvSpPr txBox="1"/>
           <p:nvPr>
             <p:ph type="title"/>
@@ -10220,7 +10280,7 @@
       </p:sp>
       <p:pic>
         <p:nvPicPr>
-          <p:cNvPr id="254" name="Shape 254"/>
+          <p:cNvPr id="250" name="Shape 250"/>
           <p:cNvPicPr preferRelativeResize="0"/>
           <p:nvPr/>
         </p:nvPicPr>
@@ -10248,7 +10308,7 @@
       </p:pic>
       <p:sp>
         <p:nvSpPr>
-          <p:cNvPr id="255" name="Shape 255"/>
+          <p:cNvPr id="251" name="Shape 251"/>
           <p:cNvSpPr txBox="1"/>
           <p:nvPr/>
         </p:nvSpPr>
@@ -10434,7 +10494,7 @@
       </p:sp>
       <p:sp>
         <p:nvSpPr>
-          <p:cNvPr id="256" name="Shape 256"/>
+          <p:cNvPr id="252" name="Shape 252"/>
           <p:cNvSpPr txBox="1"/>
           <p:nvPr/>
         </p:nvSpPr>
@@ -10694,48 +10754,6 @@
                 </a:solidFill>
               </a:rPr>
               <a:t>})</a:t>
-            </a:r>
-          </a:p>
-        </p:txBody>
-      </p:sp>
-      <p:sp>
-        <p:nvSpPr>
-          <p:cNvPr id="257" name="Shape 257"/>
-          <p:cNvSpPr txBox="1"/>
-          <p:nvPr/>
-        </p:nvSpPr>
-        <p:spPr>
-          <a:xfrm>
-            <a:off x="4048200" y="4841800"/>
-            <a:ext cx="5019600" cy="240900"/>
-          </a:xfrm>
-          <a:prstGeom prst="rect">
-            <a:avLst/>
-          </a:prstGeom>
-          <a:noFill/>
-          <a:ln>
-            <a:noFill/>
-          </a:ln>
-        </p:spPr>
-        <p:txBody>
-          <a:bodyPr anchorCtr="0" anchor="ctr" bIns="91425" lIns="91425" rIns="91425" tIns="91425">
-            <a:noAutofit/>
-          </a:bodyPr>
-          <a:lstStyle/>
-          <a:p>
-            <a:pPr lvl="0" rtl="0">
-              <a:spcBef>
-                <a:spcPts val="0"/>
-              </a:spcBef>
-              <a:buNone/>
-            </a:pPr>
-            <a:r>
-              <a:rPr lang="en">
-                <a:solidFill>
-                  <a:srgbClr val="D9D9D9"/>
-                </a:solidFill>
-              </a:rPr>
-              <a:t>https://angular.io/docs/ts/latest/guide/forms.html#!#ngModel</a:t>
             </a:r>
           </a:p>
         </p:txBody>
@@ -10753,7 +10771,7 @@
   <p:cSld>
     <p:spTree>
       <p:nvGrpSpPr>
-        <p:cNvPr id="261" name="Shape 261"/>
+        <p:cNvPr id="256" name="Shape 256"/>
         <p:cNvGrpSpPr/>
         <p:nvPr/>
       </p:nvGrpSpPr>
@@ -10767,7 +10785,7 @@
       </p:grpSpPr>
       <p:sp>
         <p:nvSpPr>
-          <p:cNvPr id="262" name="Shape 262"/>
+          <p:cNvPr id="257" name="Shape 257"/>
           <p:cNvSpPr txBox="1"/>
           <p:nvPr>
             <p:ph type="title"/>
@@ -10803,7 +10821,7 @@
       </p:sp>
       <p:sp>
         <p:nvSpPr>
-          <p:cNvPr id="263" name="Shape 263"/>
+          <p:cNvPr id="258" name="Shape 258"/>
           <p:cNvSpPr txBox="1"/>
           <p:nvPr>
             <p:ph idx="1" type="body"/>
@@ -10923,7 +10941,7 @@
       </p:sp>
       <p:pic>
         <p:nvPicPr>
-          <p:cNvPr id="264" name="Shape 264"/>
+          <p:cNvPr id="259" name="Shape 259"/>
           <p:cNvPicPr preferRelativeResize="0"/>
           <p:nvPr/>
         </p:nvPicPr>
@@ -10962,7 +10980,7 @@
   <p:cSld>
     <p:spTree>
       <p:nvGrpSpPr>
-        <p:cNvPr id="268" name="Shape 268"/>
+        <p:cNvPr id="263" name="Shape 263"/>
         <p:cNvGrpSpPr/>
         <p:nvPr/>
       </p:nvGrpSpPr>
@@ -10976,7 +10994,7 @@
       </p:grpSpPr>
       <p:sp>
         <p:nvSpPr>
-          <p:cNvPr id="269" name="Shape 269"/>
+          <p:cNvPr id="264" name="Shape 264"/>
           <p:cNvSpPr txBox="1"/>
           <p:nvPr>
             <p:ph type="title"/>
@@ -11012,7 +11030,7 @@
       </p:sp>
       <p:pic>
         <p:nvPicPr>
-          <p:cNvPr id="270" name="Shape 270"/>
+          <p:cNvPr id="265" name="Shape 265"/>
           <p:cNvPicPr preferRelativeResize="0"/>
           <p:nvPr/>
         </p:nvPicPr>
@@ -11040,7 +11058,7 @@
       </p:pic>
       <p:graphicFrame>
         <p:nvGraphicFramePr>
-          <p:cNvPr id="271" name="Shape 271"/>
+          <p:cNvPr id="266" name="Shape 266"/>
           <p:cNvGraphicFramePr/>
           <p:nvPr/>
         </p:nvGraphicFramePr>
@@ -11053,7 +11071,7 @@
             <a:tbl>
               <a:tblPr>
                 <a:noFill/>
-                <a:tableStyleId>{580B9FCB-2DF7-4416-87D3-9135D09CD169}</a:tableStyleId>
+                <a:tableStyleId>{55F7555E-A9A9-434E-9B66-F39A571E2810}</a:tableStyleId>
               </a:tblPr>
               <a:tblGrid>
                 <a:gridCol w="1832125"/>
@@ -12211,7 +12229,7 @@
       </p:graphicFrame>
       <p:pic>
         <p:nvPicPr>
-          <p:cNvPr id="272" name="Shape 272"/>
+          <p:cNvPr id="267" name="Shape 267"/>
           <p:cNvPicPr preferRelativeResize="0"/>
           <p:nvPr/>
         </p:nvPicPr>
@@ -12227,6 +12245,146 @@
           <a:xfrm>
             <a:off x="3451850" y="1575750"/>
             <a:ext cx="271824" cy="271824"/>
+          </a:xfrm>
+          <a:prstGeom prst="rect">
+            <a:avLst/>
+          </a:prstGeom>
+          <a:noFill/>
+          <a:ln>
+            <a:noFill/>
+          </a:ln>
+        </p:spPr>
+      </p:pic>
+      <p:pic>
+        <p:nvPicPr>
+          <p:cNvPr id="268" name="Shape 268"/>
+          <p:cNvPicPr preferRelativeResize="0"/>
+          <p:nvPr/>
+        </p:nvPicPr>
+        <p:blipFill>
+          <a:blip r:embed="rId4">
+            <a:alphaModFix/>
+          </a:blip>
+          <a:stretch>
+            <a:fillRect/>
+          </a:stretch>
+        </p:blipFill>
+        <p:spPr>
+          <a:xfrm>
+            <a:off x="5852650" y="1575750"/>
+            <a:ext cx="271824" cy="271824"/>
+          </a:xfrm>
+          <a:prstGeom prst="rect">
+            <a:avLst/>
+          </a:prstGeom>
+          <a:noFill/>
+          <a:ln>
+            <a:noFill/>
+          </a:ln>
+        </p:spPr>
+      </p:pic>
+      <p:pic>
+        <p:nvPicPr>
+          <p:cNvPr id="269" name="Shape 269"/>
+          <p:cNvPicPr preferRelativeResize="0"/>
+          <p:nvPr/>
+        </p:nvPicPr>
+        <p:blipFill>
+          <a:blip r:embed="rId4">
+            <a:alphaModFix/>
+          </a:blip>
+          <a:stretch>
+            <a:fillRect/>
+          </a:stretch>
+        </p:blipFill>
+        <p:spPr>
+          <a:xfrm>
+            <a:off x="7000650" y="1575750"/>
+            <a:ext cx="271824" cy="271824"/>
+          </a:xfrm>
+          <a:prstGeom prst="rect">
+            <a:avLst/>
+          </a:prstGeom>
+          <a:noFill/>
+          <a:ln>
+            <a:noFill/>
+          </a:ln>
+        </p:spPr>
+      </p:pic>
+      <p:pic>
+        <p:nvPicPr>
+          <p:cNvPr id="270" name="Shape 270"/>
+          <p:cNvPicPr preferRelativeResize="0"/>
+          <p:nvPr/>
+        </p:nvPicPr>
+        <p:blipFill>
+          <a:blip r:embed="rId4">
+            <a:alphaModFix/>
+          </a:blip>
+          <a:stretch>
+            <a:fillRect/>
+          </a:stretch>
+        </p:blipFill>
+        <p:spPr>
+          <a:xfrm>
+            <a:off x="4652250" y="1575750"/>
+            <a:ext cx="271824" cy="271824"/>
+          </a:xfrm>
+          <a:prstGeom prst="rect">
+            <a:avLst/>
+          </a:prstGeom>
+          <a:noFill/>
+          <a:ln>
+            <a:noFill/>
+          </a:ln>
+        </p:spPr>
+      </p:pic>
+      <p:pic>
+        <p:nvPicPr>
+          <p:cNvPr id="271" name="Shape 271"/>
+          <p:cNvPicPr preferRelativeResize="0"/>
+          <p:nvPr/>
+        </p:nvPicPr>
+        <p:blipFill>
+          <a:blip r:embed="rId5">
+            <a:alphaModFix/>
+          </a:blip>
+          <a:stretch>
+            <a:fillRect/>
+          </a:stretch>
+        </p:blipFill>
+        <p:spPr>
+          <a:xfrm>
+            <a:off x="3451850" y="1988413"/>
+            <a:ext cx="271825" cy="279375"/>
+          </a:xfrm>
+          <a:prstGeom prst="rect">
+            <a:avLst/>
+          </a:prstGeom>
+          <a:noFill/>
+          <a:ln>
+            <a:noFill/>
+          </a:ln>
+        </p:spPr>
+      </p:pic>
+      <p:pic>
+        <p:nvPicPr>
+          <p:cNvPr id="272" name="Shape 272"/>
+          <p:cNvPicPr preferRelativeResize="0"/>
+          <p:nvPr/>
+        </p:nvPicPr>
+        <p:blipFill>
+          <a:blip r:embed="rId5">
+            <a:alphaModFix/>
+          </a:blip>
+          <a:stretch>
+            <a:fillRect/>
+          </a:stretch>
+        </p:blipFill>
+        <p:spPr>
+          <a:xfrm>
+            <a:off x="4633450" y="1974638"/>
+            <a:ext cx="271825" cy="279375"/>
           </a:xfrm>
           <a:prstGeom prst="rect">
             <a:avLst/>
@@ -12253,7 +12411,7 @@
         </p:blipFill>
         <p:spPr>
           <a:xfrm>
-            <a:off x="5852650" y="1575750"/>
+            <a:off x="5852650" y="1992200"/>
             <a:ext cx="271824" cy="271824"/>
           </a:xfrm>
           <a:prstGeom prst="rect">
@@ -12281,7 +12439,7 @@
         </p:blipFill>
         <p:spPr>
           <a:xfrm>
-            <a:off x="7000650" y="1575750"/>
+            <a:off x="7000650" y="1992200"/>
             <a:ext cx="271824" cy="271824"/>
           </a:xfrm>
           <a:prstGeom prst="rect">
@@ -12300,7 +12458,7 @@
           <p:nvPr/>
         </p:nvPicPr>
         <p:blipFill>
-          <a:blip r:embed="rId4">
+          <a:blip r:embed="rId5">
             <a:alphaModFix/>
           </a:blip>
           <a:stretch>
@@ -12309,8 +12467,8 @@
         </p:blipFill>
         <p:spPr>
           <a:xfrm>
-            <a:off x="4652250" y="1575750"/>
-            <a:ext cx="271824" cy="271824"/>
+            <a:off x="3451850" y="2369413"/>
+            <a:ext cx="271825" cy="279375"/>
           </a:xfrm>
           <a:prstGeom prst="rect">
             <a:avLst/>
@@ -12337,7 +12495,7 @@
         </p:blipFill>
         <p:spPr>
           <a:xfrm>
-            <a:off x="3451850" y="1988413"/>
+            <a:off x="4633450" y="2381088"/>
             <a:ext cx="271825" cy="279375"/>
           </a:xfrm>
           <a:prstGeom prst="rect">
@@ -12356,7 +12514,7 @@
           <p:nvPr/>
         </p:nvPicPr>
         <p:blipFill>
-          <a:blip r:embed="rId5">
+          <a:blip r:embed="rId4">
             <a:alphaModFix/>
           </a:blip>
           <a:stretch>
@@ -12365,8 +12523,8 @@
         </p:blipFill>
         <p:spPr>
           <a:xfrm>
-            <a:off x="4633450" y="1974638"/>
-            <a:ext cx="271825" cy="279375"/>
+            <a:off x="5852650" y="2408650"/>
+            <a:ext cx="271824" cy="271824"/>
           </a:xfrm>
           <a:prstGeom prst="rect">
             <a:avLst/>
@@ -12393,7 +12551,7 @@
         </p:blipFill>
         <p:spPr>
           <a:xfrm>
-            <a:off x="5852650" y="1992200"/>
+            <a:off x="7000650" y="2408650"/>
             <a:ext cx="271824" cy="271824"/>
           </a:xfrm>
           <a:prstGeom prst="rect">
@@ -12421,7 +12579,7 @@
         </p:blipFill>
         <p:spPr>
           <a:xfrm>
-            <a:off x="7000650" y="1992200"/>
+            <a:off x="5852650" y="2789650"/>
             <a:ext cx="271824" cy="271824"/>
           </a:xfrm>
           <a:prstGeom prst="rect">
@@ -12436,6 +12594,62 @@
       <p:pic>
         <p:nvPicPr>
           <p:cNvPr id="280" name="Shape 280"/>
+          <p:cNvPicPr preferRelativeResize="0"/>
+          <p:nvPr/>
+        </p:nvPicPr>
+        <p:blipFill>
+          <a:blip r:embed="rId4">
+            <a:alphaModFix/>
+          </a:blip>
+          <a:stretch>
+            <a:fillRect/>
+          </a:stretch>
+        </p:blipFill>
+        <p:spPr>
+          <a:xfrm>
+            <a:off x="6995650" y="2789650"/>
+            <a:ext cx="271824" cy="271824"/>
+          </a:xfrm>
+          <a:prstGeom prst="rect">
+            <a:avLst/>
+          </a:prstGeom>
+          <a:noFill/>
+          <a:ln>
+            <a:noFill/>
+          </a:ln>
+        </p:spPr>
+      </p:pic>
+      <p:pic>
+        <p:nvPicPr>
+          <p:cNvPr id="281" name="Shape 281"/>
+          <p:cNvPicPr preferRelativeResize="0"/>
+          <p:nvPr/>
+        </p:nvPicPr>
+        <p:blipFill>
+          <a:blip r:embed="rId6">
+            <a:alphaModFix/>
+          </a:blip>
+          <a:stretch>
+            <a:fillRect/>
+          </a:stretch>
+        </p:blipFill>
+        <p:spPr>
+          <a:xfrm>
+            <a:off x="3451850" y="2791562"/>
+            <a:ext cx="271825" cy="271825"/>
+          </a:xfrm>
+          <a:prstGeom prst="rect">
+            <a:avLst/>
+          </a:prstGeom>
+          <a:noFill/>
+          <a:ln>
+            <a:noFill/>
+          </a:ln>
+        </p:spPr>
+      </p:pic>
+      <p:pic>
+        <p:nvPicPr>
+          <p:cNvPr id="282" name="Shape 282"/>
           <p:cNvPicPr preferRelativeResize="0"/>
           <p:nvPr/>
         </p:nvPicPr>
@@ -12449,7 +12663,7 @@
         </p:blipFill>
         <p:spPr>
           <a:xfrm>
-            <a:off x="3451850" y="2369413"/>
+            <a:off x="4633450" y="2773763"/>
             <a:ext cx="271825" cy="279375"/>
           </a:xfrm>
           <a:prstGeom prst="rect">
@@ -12463,7 +12677,7 @@
       </p:pic>
       <p:pic>
         <p:nvPicPr>
-          <p:cNvPr id="281" name="Shape 281"/>
+          <p:cNvPr id="283" name="Shape 283"/>
           <p:cNvPicPr preferRelativeResize="0"/>
           <p:nvPr/>
         </p:nvPicPr>
@@ -12477,64 +12691,8 @@
         </p:blipFill>
         <p:spPr>
           <a:xfrm>
-            <a:off x="4633450" y="2381088"/>
+            <a:off x="3433050" y="3168788"/>
             <a:ext cx="271825" cy="279375"/>
-          </a:xfrm>
-          <a:prstGeom prst="rect">
-            <a:avLst/>
-          </a:prstGeom>
-          <a:noFill/>
-          <a:ln>
-            <a:noFill/>
-          </a:ln>
-        </p:spPr>
-      </p:pic>
-      <p:pic>
-        <p:nvPicPr>
-          <p:cNvPr id="282" name="Shape 282"/>
-          <p:cNvPicPr preferRelativeResize="0"/>
-          <p:nvPr/>
-        </p:nvPicPr>
-        <p:blipFill>
-          <a:blip r:embed="rId4">
-            <a:alphaModFix/>
-          </a:blip>
-          <a:stretch>
-            <a:fillRect/>
-          </a:stretch>
-        </p:blipFill>
-        <p:spPr>
-          <a:xfrm>
-            <a:off x="5852650" y="2408650"/>
-            <a:ext cx="271824" cy="271824"/>
-          </a:xfrm>
-          <a:prstGeom prst="rect">
-            <a:avLst/>
-          </a:prstGeom>
-          <a:noFill/>
-          <a:ln>
-            <a:noFill/>
-          </a:ln>
-        </p:spPr>
-      </p:pic>
-      <p:pic>
-        <p:nvPicPr>
-          <p:cNvPr id="283" name="Shape 283"/>
-          <p:cNvPicPr preferRelativeResize="0"/>
-          <p:nvPr/>
-        </p:nvPicPr>
-        <p:blipFill>
-          <a:blip r:embed="rId4">
-            <a:alphaModFix/>
-          </a:blip>
-          <a:stretch>
-            <a:fillRect/>
-          </a:stretch>
-        </p:blipFill>
-        <p:spPr>
-          <a:xfrm>
-            <a:off x="7000650" y="2408650"/>
-            <a:ext cx="271824" cy="271824"/>
           </a:xfrm>
           <a:prstGeom prst="rect">
             <a:avLst/>
@@ -12561,7 +12719,7 @@
         </p:blipFill>
         <p:spPr>
           <a:xfrm>
-            <a:off x="5852650" y="2789650"/>
+            <a:off x="6995650" y="3170650"/>
             <a:ext cx="271824" cy="271824"/>
           </a:xfrm>
           <a:prstGeom prst="rect">
@@ -12580,7 +12738,7 @@
           <p:nvPr/>
         </p:nvPicPr>
         <p:blipFill>
-          <a:blip r:embed="rId4">
+          <a:blip r:embed="rId7">
             <a:alphaModFix/>
           </a:blip>
           <a:stretch>
@@ -12589,7 +12747,7 @@
         </p:blipFill>
         <p:spPr>
           <a:xfrm>
-            <a:off x="6995650" y="2789650"/>
+            <a:off x="7330775" y="3172575"/>
             <a:ext cx="271824" cy="271824"/>
           </a:xfrm>
           <a:prstGeom prst="rect">
@@ -12608,7 +12766,7 @@
           <p:nvPr/>
         </p:nvPicPr>
         <p:blipFill>
-          <a:blip r:embed="rId6">
+          <a:blip r:embed="rId8">
             <a:alphaModFix/>
           </a:blip>
           <a:stretch>
@@ -12617,8 +12775,8 @@
         </p:blipFill>
         <p:spPr>
           <a:xfrm>
-            <a:off x="3451850" y="2791562"/>
-            <a:ext cx="271825" cy="271825"/>
+            <a:off x="3754125" y="3206175"/>
+            <a:ext cx="370334" cy="279375"/>
           </a:xfrm>
           <a:prstGeom prst="rect">
             <a:avLst/>
@@ -12636,7 +12794,7 @@
           <p:nvPr/>
         </p:nvPicPr>
         <p:blipFill>
-          <a:blip r:embed="rId5">
+          <a:blip r:embed="rId8">
             <a:alphaModFix/>
           </a:blip>
           <a:stretch>
@@ -12645,8 +12803,8 @@
         </p:blipFill>
         <p:spPr>
           <a:xfrm>
-            <a:off x="4633450" y="2773763"/>
-            <a:ext cx="271825" cy="279375"/>
+            <a:off x="4924075" y="3206175"/>
+            <a:ext cx="370334" cy="279375"/>
           </a:xfrm>
           <a:prstGeom prst="rect">
             <a:avLst/>
@@ -12673,7 +12831,7 @@
         </p:blipFill>
         <p:spPr>
           <a:xfrm>
-            <a:off x="3433050" y="3168788"/>
+            <a:off x="4642850" y="3178126"/>
             <a:ext cx="271825" cy="279375"/>
           </a:xfrm>
           <a:prstGeom prst="rect">
@@ -12701,7 +12859,7 @@
         </p:blipFill>
         <p:spPr>
           <a:xfrm>
-            <a:off x="6995650" y="3170650"/>
+            <a:off x="5852650" y="3170650"/>
             <a:ext cx="271824" cy="271824"/>
           </a:xfrm>
           <a:prstGeom prst="rect">
@@ -12729,7 +12887,7 @@
         </p:blipFill>
         <p:spPr>
           <a:xfrm>
-            <a:off x="7330775" y="3172575"/>
+            <a:off x="6187775" y="3172575"/>
             <a:ext cx="271824" cy="271824"/>
           </a:xfrm>
           <a:prstGeom prst="rect">
@@ -12748,7 +12906,7 @@
           <p:nvPr/>
         </p:nvPicPr>
         <p:blipFill>
-          <a:blip r:embed="rId8">
+          <a:blip r:embed="rId9">
             <a:alphaModFix/>
           </a:blip>
           <a:stretch>
@@ -12757,8 +12915,8 @@
         </p:blipFill>
         <p:spPr>
           <a:xfrm>
-            <a:off x="3754125" y="3206175"/>
-            <a:ext cx="370334" cy="279375"/>
+            <a:off x="7232275" y="3551650"/>
+            <a:ext cx="370325" cy="370325"/>
           </a:xfrm>
           <a:prstGeom prst="rect">
             <a:avLst/>
@@ -12776,7 +12934,7 @@
           <p:nvPr/>
         </p:nvPicPr>
         <p:blipFill>
-          <a:blip r:embed="rId8">
+          <a:blip r:embed="rId4">
             <a:alphaModFix/>
           </a:blip>
           <a:stretch>
@@ -12785,8 +12943,8 @@
         </p:blipFill>
         <p:spPr>
           <a:xfrm>
-            <a:off x="4924075" y="3206175"/>
-            <a:ext cx="370334" cy="279375"/>
+            <a:off x="6995650" y="3551650"/>
+            <a:ext cx="271824" cy="271824"/>
           </a:xfrm>
           <a:prstGeom prst="rect">
             <a:avLst/>
@@ -12813,7 +12971,7 @@
         </p:blipFill>
         <p:spPr>
           <a:xfrm>
-            <a:off x="4642850" y="3178126"/>
+            <a:off x="3433050" y="3549788"/>
             <a:ext cx="271825" cy="279375"/>
           </a:xfrm>
           <a:prstGeom prst="rect">
@@ -12832,7 +12990,7 @@
           <p:nvPr/>
         </p:nvPicPr>
         <p:blipFill>
-          <a:blip r:embed="rId4">
+          <a:blip r:embed="rId5">
             <a:alphaModFix/>
           </a:blip>
           <a:stretch>
@@ -12841,8 +12999,8 @@
         </p:blipFill>
         <p:spPr>
           <a:xfrm>
-            <a:off x="5852650" y="3170650"/>
-            <a:ext cx="271824" cy="271824"/>
+            <a:off x="4633450" y="3568476"/>
+            <a:ext cx="271825" cy="279375"/>
           </a:xfrm>
           <a:prstGeom prst="rect">
             <a:avLst/>
@@ -12859,18 +13017,17 @@
           <p:cNvPicPr preferRelativeResize="0"/>
           <p:nvPr/>
         </p:nvPicPr>
-        <p:blipFill>
-          <a:blip r:embed="rId7">
+        <p:blipFill rotWithShape="1">
+          <a:blip r:embed="rId10">
             <a:alphaModFix/>
           </a:blip>
-          <a:stretch>
-            <a:fillRect/>
-          </a:stretch>
+          <a:srcRect b="15490" l="24738" r="24652" t="16896"/>
+          <a:stretch/>
         </p:blipFill>
         <p:spPr>
           <a:xfrm>
-            <a:off x="6187775" y="3172575"/>
-            <a:ext cx="271824" cy="271824"/>
+            <a:off x="4997950" y="3571977"/>
+            <a:ext cx="271825" cy="272372"/>
           </a:xfrm>
           <a:prstGeom prst="rect">
             <a:avLst/>
@@ -12888,7 +13045,7 @@
           <p:nvPr/>
         </p:nvPicPr>
         <p:blipFill>
-          <a:blip r:embed="rId9">
+          <a:blip r:embed="rId6">
             <a:alphaModFix/>
           </a:blip>
           <a:stretch>
@@ -12897,8 +13054,8 @@
         </p:blipFill>
         <p:spPr>
           <a:xfrm>
-            <a:off x="7232275" y="3551650"/>
-            <a:ext cx="370325" cy="370325"/>
+            <a:off x="6995650" y="4349087"/>
+            <a:ext cx="271825" cy="271825"/>
           </a:xfrm>
           <a:prstGeom prst="rect">
             <a:avLst/>
@@ -12925,7 +13082,7 @@
         </p:blipFill>
         <p:spPr>
           <a:xfrm>
-            <a:off x="6995650" y="3551650"/>
+            <a:off x="4633450" y="3968175"/>
             <a:ext cx="271824" cy="271824"/>
           </a:xfrm>
           <a:prstGeom prst="rect">
@@ -12944,7 +13101,7 @@
           <p:nvPr/>
         </p:nvPicPr>
         <p:blipFill>
-          <a:blip r:embed="rId5">
+          <a:blip r:embed="rId4">
             <a:alphaModFix/>
           </a:blip>
           <a:stretch>
@@ -12953,8 +13110,8 @@
         </p:blipFill>
         <p:spPr>
           <a:xfrm>
-            <a:off x="3433050" y="3549788"/>
-            <a:ext cx="271825" cy="279375"/>
+            <a:off x="5852650" y="3932650"/>
+            <a:ext cx="271824" cy="271824"/>
           </a:xfrm>
           <a:prstGeom prst="rect">
             <a:avLst/>
@@ -12972,7 +13129,7 @@
           <p:nvPr/>
         </p:nvPicPr>
         <p:blipFill>
-          <a:blip r:embed="rId5">
+          <a:blip r:embed="rId4">
             <a:alphaModFix/>
           </a:blip>
           <a:stretch>
@@ -12981,8 +13138,8 @@
         </p:blipFill>
         <p:spPr>
           <a:xfrm>
-            <a:off x="4633450" y="3568476"/>
-            <a:ext cx="271825" cy="279375"/>
+            <a:off x="6995650" y="3932650"/>
+            <a:ext cx="271824" cy="271824"/>
           </a:xfrm>
           <a:prstGeom prst="rect">
             <a:avLst/>
@@ -12996,33 +13153,6 @@
       <p:pic>
         <p:nvPicPr>
           <p:cNvPr id="300" name="Shape 300"/>
-          <p:cNvPicPr preferRelativeResize="0"/>
-          <p:nvPr/>
-        </p:nvPicPr>
-        <p:blipFill rotWithShape="1">
-          <a:blip r:embed="rId10">
-            <a:alphaModFix/>
-          </a:blip>
-          <a:srcRect b="15490" l="24738" r="24652" t="16896"/>
-          <a:stretch/>
-        </p:blipFill>
-        <p:spPr>
-          <a:xfrm>
-            <a:off x="4997950" y="3571977"/>
-            <a:ext cx="271825" cy="272372"/>
-          </a:xfrm>
-          <a:prstGeom prst="rect">
-            <a:avLst/>
-          </a:prstGeom>
-          <a:noFill/>
-          <a:ln>
-            <a:noFill/>
-          </a:ln>
-        </p:spPr>
-      </p:pic>
-      <p:pic>
-        <p:nvPicPr>
-          <p:cNvPr id="301" name="Shape 301"/>
           <p:cNvPicPr preferRelativeResize="0"/>
           <p:nvPr/>
         </p:nvPicPr>
@@ -13036,8 +13166,36 @@
         </p:blipFill>
         <p:spPr>
           <a:xfrm>
-            <a:off x="6995650" y="4349087"/>
+            <a:off x="3451850" y="3971862"/>
             <a:ext cx="271825" cy="271825"/>
+          </a:xfrm>
+          <a:prstGeom prst="rect">
+            <a:avLst/>
+          </a:prstGeom>
+          <a:noFill/>
+          <a:ln>
+            <a:noFill/>
+          </a:ln>
+        </p:spPr>
+      </p:pic>
+      <p:pic>
+        <p:nvPicPr>
+          <p:cNvPr id="301" name="Shape 301"/>
+          <p:cNvPicPr preferRelativeResize="0"/>
+          <p:nvPr/>
+        </p:nvPicPr>
+        <p:blipFill>
+          <a:blip r:embed="rId4">
+            <a:alphaModFix/>
+          </a:blip>
+          <a:stretch>
+            <a:fillRect/>
+          </a:stretch>
+        </p:blipFill>
+        <p:spPr>
+          <a:xfrm>
+            <a:off x="5852650" y="4349100"/>
+            <a:ext cx="271824" cy="271824"/>
           </a:xfrm>
           <a:prstGeom prst="rect">
             <a:avLst/>
@@ -13064,7 +13222,7 @@
         </p:blipFill>
         <p:spPr>
           <a:xfrm>
-            <a:off x="4633450" y="3968175"/>
+            <a:off x="3451850" y="4386400"/>
             <a:ext cx="271824" cy="271824"/>
           </a:xfrm>
           <a:prstGeom prst="rect">
@@ -13079,146 +13237,6 @@
       <p:pic>
         <p:nvPicPr>
           <p:cNvPr id="303" name="Shape 303"/>
-          <p:cNvPicPr preferRelativeResize="0"/>
-          <p:nvPr/>
-        </p:nvPicPr>
-        <p:blipFill>
-          <a:blip r:embed="rId4">
-            <a:alphaModFix/>
-          </a:blip>
-          <a:stretch>
-            <a:fillRect/>
-          </a:stretch>
-        </p:blipFill>
-        <p:spPr>
-          <a:xfrm>
-            <a:off x="5852650" y="3932650"/>
-            <a:ext cx="271824" cy="271824"/>
-          </a:xfrm>
-          <a:prstGeom prst="rect">
-            <a:avLst/>
-          </a:prstGeom>
-          <a:noFill/>
-          <a:ln>
-            <a:noFill/>
-          </a:ln>
-        </p:spPr>
-      </p:pic>
-      <p:pic>
-        <p:nvPicPr>
-          <p:cNvPr id="304" name="Shape 304"/>
-          <p:cNvPicPr preferRelativeResize="0"/>
-          <p:nvPr/>
-        </p:nvPicPr>
-        <p:blipFill>
-          <a:blip r:embed="rId4">
-            <a:alphaModFix/>
-          </a:blip>
-          <a:stretch>
-            <a:fillRect/>
-          </a:stretch>
-        </p:blipFill>
-        <p:spPr>
-          <a:xfrm>
-            <a:off x="6995650" y="3932650"/>
-            <a:ext cx="271824" cy="271824"/>
-          </a:xfrm>
-          <a:prstGeom prst="rect">
-            <a:avLst/>
-          </a:prstGeom>
-          <a:noFill/>
-          <a:ln>
-            <a:noFill/>
-          </a:ln>
-        </p:spPr>
-      </p:pic>
-      <p:pic>
-        <p:nvPicPr>
-          <p:cNvPr id="305" name="Shape 305"/>
-          <p:cNvPicPr preferRelativeResize="0"/>
-          <p:nvPr/>
-        </p:nvPicPr>
-        <p:blipFill>
-          <a:blip r:embed="rId6">
-            <a:alphaModFix/>
-          </a:blip>
-          <a:stretch>
-            <a:fillRect/>
-          </a:stretch>
-        </p:blipFill>
-        <p:spPr>
-          <a:xfrm>
-            <a:off x="3451850" y="3971862"/>
-            <a:ext cx="271825" cy="271825"/>
-          </a:xfrm>
-          <a:prstGeom prst="rect">
-            <a:avLst/>
-          </a:prstGeom>
-          <a:noFill/>
-          <a:ln>
-            <a:noFill/>
-          </a:ln>
-        </p:spPr>
-      </p:pic>
-      <p:pic>
-        <p:nvPicPr>
-          <p:cNvPr id="306" name="Shape 306"/>
-          <p:cNvPicPr preferRelativeResize="0"/>
-          <p:nvPr/>
-        </p:nvPicPr>
-        <p:blipFill>
-          <a:blip r:embed="rId4">
-            <a:alphaModFix/>
-          </a:blip>
-          <a:stretch>
-            <a:fillRect/>
-          </a:stretch>
-        </p:blipFill>
-        <p:spPr>
-          <a:xfrm>
-            <a:off x="5852650" y="4349100"/>
-            <a:ext cx="271824" cy="271824"/>
-          </a:xfrm>
-          <a:prstGeom prst="rect">
-            <a:avLst/>
-          </a:prstGeom>
-          <a:noFill/>
-          <a:ln>
-            <a:noFill/>
-          </a:ln>
-        </p:spPr>
-      </p:pic>
-      <p:pic>
-        <p:nvPicPr>
-          <p:cNvPr id="307" name="Shape 307"/>
-          <p:cNvPicPr preferRelativeResize="0"/>
-          <p:nvPr/>
-        </p:nvPicPr>
-        <p:blipFill>
-          <a:blip r:embed="rId4">
-            <a:alphaModFix/>
-          </a:blip>
-          <a:stretch>
-            <a:fillRect/>
-          </a:stretch>
-        </p:blipFill>
-        <p:spPr>
-          <a:xfrm>
-            <a:off x="3451850" y="4386400"/>
-            <a:ext cx="271824" cy="271824"/>
-          </a:xfrm>
-          <a:prstGeom prst="rect">
-            <a:avLst/>
-          </a:prstGeom>
-          <a:noFill/>
-          <a:ln>
-            <a:noFill/>
-          </a:ln>
-        </p:spPr>
-      </p:pic>
-      <p:pic>
-        <p:nvPicPr>
-          <p:cNvPr id="308" name="Shape 308"/>
           <p:cNvPicPr preferRelativeResize="0"/>
           <p:nvPr/>
         </p:nvPicPr>
@@ -13246,7 +13264,7 @@
       </p:pic>
       <p:pic>
         <p:nvPicPr>
-          <p:cNvPr id="309" name="Shape 309"/>
+          <p:cNvPr id="304" name="Shape 304"/>
           <p:cNvPicPr preferRelativeResize="0"/>
           <p:nvPr/>
         </p:nvPicPr>
@@ -13274,7 +13292,7 @@
       </p:pic>
       <p:pic>
         <p:nvPicPr>
-          <p:cNvPr id="310" name="Shape 310"/>
+          <p:cNvPr id="305" name="Shape 305"/>
           <p:cNvPicPr preferRelativeResize="0"/>
           <p:nvPr/>
         </p:nvPicPr>
@@ -13302,7 +13320,7 @@
       </p:pic>
       <p:pic>
         <p:nvPicPr>
-          <p:cNvPr id="311" name="Shape 311"/>
+          <p:cNvPr id="306" name="Shape 306"/>
           <p:cNvPicPr preferRelativeResize="0"/>
           <p:nvPr/>
         </p:nvPicPr>
@@ -13330,7 +13348,7 @@
       </p:pic>
       <p:pic>
         <p:nvPicPr>
-          <p:cNvPr id="312" name="Shape 312"/>
+          <p:cNvPr id="307" name="Shape 307"/>
           <p:cNvPicPr preferRelativeResize="0"/>
           <p:nvPr/>
         </p:nvPicPr>
@@ -13358,7 +13376,7 @@
       </p:pic>
       <p:pic>
         <p:nvPicPr>
-          <p:cNvPr id="313" name="Shape 313"/>
+          <p:cNvPr id="308" name="Shape 308"/>
           <p:cNvPicPr preferRelativeResize="0"/>
           <p:nvPr/>
         </p:nvPicPr>
@@ -13386,7 +13404,7 @@
       </p:pic>
       <p:pic>
         <p:nvPicPr>
-          <p:cNvPr id="314" name="Shape 314"/>
+          <p:cNvPr id="309" name="Shape 309"/>
           <p:cNvPicPr preferRelativeResize="0"/>
           <p:nvPr/>
         </p:nvPicPr>
@@ -13414,7 +13432,7 @@
       </p:pic>
       <p:pic>
         <p:nvPicPr>
-          <p:cNvPr id="315" name="Shape 315"/>
+          <p:cNvPr id="310" name="Shape 310"/>
           <p:cNvPicPr preferRelativeResize="0"/>
           <p:nvPr/>
         </p:nvPicPr>
@@ -13442,7 +13460,7 @@
       </p:pic>
       <p:pic>
         <p:nvPicPr>
-          <p:cNvPr id="316" name="Shape 316"/>
+          <p:cNvPr id="311" name="Shape 311"/>
           <p:cNvPicPr preferRelativeResize="0"/>
           <p:nvPr/>
         </p:nvPicPr>
@@ -13470,7 +13488,7 @@
       </p:pic>
       <p:pic>
         <p:nvPicPr>
-          <p:cNvPr id="317" name="Shape 317"/>
+          <p:cNvPr id="312" name="Shape 312"/>
           <p:cNvPicPr preferRelativeResize="0"/>
           <p:nvPr/>
         </p:nvPicPr>
@@ -13498,7 +13516,7 @@
       </p:pic>
       <p:sp>
         <p:nvSpPr>
-          <p:cNvPr id="318" name="Shape 318"/>
+          <p:cNvPr id="313" name="Shape 313"/>
           <p:cNvSpPr txBox="1"/>
           <p:nvPr/>
         </p:nvSpPr>
@@ -13562,7 +13580,7 @@
   <p:cSld>
     <p:spTree>
       <p:nvGrpSpPr>
-        <p:cNvPr id="322" name="Shape 322"/>
+        <p:cNvPr id="317" name="Shape 317"/>
         <p:cNvGrpSpPr/>
         <p:nvPr/>
       </p:nvGrpSpPr>
@@ -13576,7 +13594,7 @@
       </p:grpSpPr>
       <p:sp>
         <p:nvSpPr>
-          <p:cNvPr id="323" name="Shape 323"/>
+          <p:cNvPr id="318" name="Shape 318"/>
           <p:cNvSpPr txBox="1"/>
           <p:nvPr>
             <p:ph type="title"/>
@@ -13612,7 +13630,7 @@
       </p:sp>
       <p:sp>
         <p:nvSpPr>
-          <p:cNvPr id="324" name="Shape 324"/>
+          <p:cNvPr id="319" name="Shape 319"/>
           <p:cNvSpPr txBox="1"/>
           <p:nvPr>
             <p:ph idx="1" type="body"/>
@@ -13792,7 +13810,366 @@
       </p:sp>
       <p:pic>
         <p:nvPicPr>
+          <p:cNvPr id="320" name="Shape 320"/>
+          <p:cNvPicPr preferRelativeResize="0"/>
+          <p:nvPr/>
+        </p:nvPicPr>
+        <p:blipFill>
+          <a:blip r:embed="rId7">
+            <a:alphaModFix/>
+          </a:blip>
+          <a:stretch>
+            <a:fillRect/>
+          </a:stretch>
+        </p:blipFill>
+        <p:spPr>
+          <a:xfrm>
+            <a:off x="6913083" y="0"/>
+            <a:ext cx="2154716" cy="572699"/>
+          </a:xfrm>
+          <a:prstGeom prst="rect">
+            <a:avLst/>
+          </a:prstGeom>
+          <a:noFill/>
+          <a:ln>
+            <a:noFill/>
+          </a:ln>
+        </p:spPr>
+      </p:pic>
+    </p:spTree>
+  </p:cSld>
+  <p:clrMapOvr>
+    <a:masterClrMapping/>
+  </p:clrMapOvr>
+</p:sld>
+</file>
+
+<file path=ppt/slides/slide25.xml><?xml version="1.0" encoding="utf-8"?>
+<p:sld xmlns:a="http://schemas.openxmlformats.org/drawingml/2006/main" xmlns:r="http://schemas.openxmlformats.org/officeDocument/2006/relationships" xmlns:mc="http://schemas.openxmlformats.org/markup-compatibility/2006" xmlns:mv="urn:schemas-microsoft-com:mac:vml" xmlns:p="http://schemas.openxmlformats.org/presentationml/2006/main" xmlns:c="http://schemas.openxmlformats.org/drawingml/2006/chart" xmlns:dgm="http://schemas.openxmlformats.org/drawingml/2006/diagram" xmlns:o="urn:schemas-microsoft-com:office:office" xmlns:v="urn:schemas-microsoft-com:vml" xmlns:pvml="urn:schemas-microsoft-com:office:powerpoint" xmlns:com="http://schemas.openxmlformats.org/drawingml/2006/compatibility" xmlns:p14="http://schemas.microsoft.com/office/powerpoint/2010/main">
+  <p:cSld>
+    <p:spTree>
+      <p:nvGrpSpPr>
+        <p:cNvPr id="324" name="Shape 324"/>
+        <p:cNvGrpSpPr/>
+        <p:nvPr/>
+      </p:nvGrpSpPr>
+      <p:grpSpPr>
+        <a:xfrm>
+          <a:off x="0" y="0"/>
+          <a:ext cx="0" cy="0"/>
+          <a:chOff x="0" y="0"/>
+          <a:chExt cx="0" cy="0"/>
+        </a:xfrm>
+      </p:grpSpPr>
+      <p:sp>
+        <p:nvSpPr>
           <p:cNvPr id="325" name="Shape 325"/>
+          <p:cNvSpPr txBox="1"/>
+          <p:nvPr>
+            <p:ph type="title"/>
+          </p:nvPr>
+        </p:nvSpPr>
+        <p:spPr>
+          <a:xfrm>
+            <a:off x="311700" y="445025"/>
+            <a:ext cx="8520600" cy="572700"/>
+          </a:xfrm>
+          <a:prstGeom prst="rect">
+            <a:avLst/>
+          </a:prstGeom>
+        </p:spPr>
+        <p:txBody>
+          <a:bodyPr anchorCtr="0" anchor="t" bIns="91425" lIns="91425" rIns="91425" tIns="91425">
+            <a:noAutofit/>
+          </a:bodyPr>
+          <a:lstStyle/>
+          <a:p>
+            <a:pPr lvl="0" rtl="0">
+              <a:spcBef>
+                <a:spcPts val="0"/>
+              </a:spcBef>
+              <a:buNone/>
+            </a:pPr>
+            <a:r>
+              <a:rPr lang="en"/>
+              <a:t>References</a:t>
+            </a:r>
+          </a:p>
+        </p:txBody>
+      </p:sp>
+      <p:sp>
+        <p:nvSpPr>
+          <p:cNvPr id="326" name="Shape 326"/>
+          <p:cNvSpPr txBox="1"/>
+          <p:nvPr>
+            <p:ph idx="1" type="body"/>
+          </p:nvPr>
+        </p:nvSpPr>
+        <p:spPr>
+          <a:xfrm>
+            <a:off x="311700" y="1152475"/>
+            <a:ext cx="8520600" cy="3416400"/>
+          </a:xfrm>
+          <a:prstGeom prst="rect">
+            <a:avLst/>
+          </a:prstGeom>
+        </p:spPr>
+        <p:txBody>
+          <a:bodyPr anchorCtr="0" anchor="t" bIns="91425" lIns="91425" rIns="91425" tIns="91425">
+            <a:noAutofit/>
+          </a:bodyPr>
+          <a:lstStyle/>
+          <a:p>
+            <a:pPr lvl="0" rtl="0">
+              <a:lnSpc>
+                <a:spcPct val="100000"/>
+              </a:lnSpc>
+              <a:spcBef>
+                <a:spcPts val="0"/>
+              </a:spcBef>
+              <a:spcAft>
+                <a:spcPts val="0"/>
+              </a:spcAft>
+              <a:buNone/>
+            </a:pPr>
+            <a:r>
+              <a:rPr lang="en" sz="1400">
+                <a:solidFill>
+                  <a:srgbClr val="D9D9D9"/>
+                </a:solidFill>
+                <a:latin typeface="Arial"/>
+                <a:ea typeface="Arial"/>
+                <a:cs typeface="Arial"/>
+                <a:sym typeface="Arial"/>
+              </a:rPr>
+              <a:t>AngularJS: </a:t>
+            </a:r>
+            <a:r>
+              <a:rPr lang="en" sz="1400" u="sng">
+                <a:solidFill>
+                  <a:schemeClr val="hlink"/>
+                </a:solidFill>
+                <a:latin typeface="Arial"/>
+                <a:ea typeface="Arial"/>
+                <a:cs typeface="Arial"/>
+                <a:sym typeface="Arial"/>
+                <a:hlinkClick r:id="rId3"/>
+              </a:rPr>
+              <a:t>https://angular.io/</a:t>
+            </a:r>
+          </a:p>
+          <a:p>
+            <a:pPr lvl="0" rtl="0">
+              <a:lnSpc>
+                <a:spcPct val="100000"/>
+              </a:lnSpc>
+              <a:spcBef>
+                <a:spcPts val="0"/>
+              </a:spcBef>
+              <a:spcAft>
+                <a:spcPts val="0"/>
+              </a:spcAft>
+              <a:buNone/>
+            </a:pPr>
+            <a:r>
+              <a:rPr lang="en" sz="1400">
+                <a:solidFill>
+                  <a:srgbClr val="D9D9D9"/>
+                </a:solidFill>
+                <a:latin typeface="Arial"/>
+                <a:ea typeface="Arial"/>
+                <a:cs typeface="Arial"/>
+                <a:sym typeface="Arial"/>
+              </a:rPr>
+              <a:t>JS, MV*: </a:t>
+            </a:r>
+            <a:r>
+              <a:rPr lang="en" sz="1400" u="sng">
+                <a:solidFill>
+                  <a:schemeClr val="hlink"/>
+                </a:solidFill>
+                <a:latin typeface="Arial"/>
+                <a:ea typeface="Arial"/>
+                <a:cs typeface="Arial"/>
+                <a:sym typeface="Arial"/>
+                <a:hlinkClick r:id="rId4"/>
+              </a:rPr>
+              <a:t>http://blog.orbitone.com/post/Angularjs-the-Model-View-Whatever-javascript-framework1</a:t>
+            </a:r>
+          </a:p>
+          <a:p>
+            <a:pPr lvl="0" rtl="0">
+              <a:lnSpc>
+                <a:spcPct val="100000"/>
+              </a:lnSpc>
+              <a:spcBef>
+                <a:spcPts val="0"/>
+              </a:spcBef>
+              <a:spcAft>
+                <a:spcPts val="0"/>
+              </a:spcAft>
+              <a:buNone/>
+            </a:pPr>
+            <a:r>
+              <a:rPr lang="en" sz="1400">
+                <a:solidFill>
+                  <a:srgbClr val="D9D9D9"/>
+                </a:solidFill>
+                <a:latin typeface="Arial"/>
+                <a:ea typeface="Arial"/>
+                <a:cs typeface="Arial"/>
+                <a:sym typeface="Arial"/>
+              </a:rPr>
+              <a:t>TypeScript: </a:t>
+            </a:r>
+            <a:r>
+              <a:rPr lang="en" sz="1400" u="sng">
+                <a:solidFill>
+                  <a:schemeClr val="hlink"/>
+                </a:solidFill>
+                <a:latin typeface="Arial"/>
+                <a:ea typeface="Arial"/>
+                <a:cs typeface="Arial"/>
+                <a:sym typeface="Arial"/>
+                <a:hlinkClick r:id="rId5"/>
+              </a:rPr>
+              <a:t>https://www.typescriptlang.org/index.html</a:t>
+            </a:r>
+          </a:p>
+          <a:p>
+            <a:pPr lvl="0" rtl="0">
+              <a:lnSpc>
+                <a:spcPct val="100000"/>
+              </a:lnSpc>
+              <a:spcBef>
+                <a:spcPts val="0"/>
+              </a:spcBef>
+              <a:spcAft>
+                <a:spcPts val="0"/>
+              </a:spcAft>
+              <a:buNone/>
+            </a:pPr>
+            <a:r>
+              <a:rPr lang="en" sz="1400">
+                <a:solidFill>
+                  <a:srgbClr val="D9D9D9"/>
+                </a:solidFill>
+                <a:latin typeface="Arial"/>
+                <a:ea typeface="Arial"/>
+                <a:cs typeface="Arial"/>
+                <a:sym typeface="Arial"/>
+              </a:rPr>
+              <a:t>NgModel Directive AngularJS: </a:t>
+            </a:r>
+            <a:r>
+              <a:rPr lang="en" sz="1400" u="sng">
+                <a:solidFill>
+                  <a:schemeClr val="hlink"/>
+                </a:solidFill>
+                <a:latin typeface="Arial"/>
+                <a:ea typeface="Arial"/>
+                <a:cs typeface="Arial"/>
+                <a:sym typeface="Arial"/>
+                <a:hlinkClick r:id="rId6"/>
+              </a:rPr>
+              <a:t>https://angular.io/docs/ts/latest/guide/forms.html#!#ngModel</a:t>
+            </a:r>
+          </a:p>
+          <a:p>
+            <a:pPr lvl="0" rtl="0">
+              <a:lnSpc>
+                <a:spcPct val="100000"/>
+              </a:lnSpc>
+              <a:spcBef>
+                <a:spcPts val="0"/>
+              </a:spcBef>
+              <a:spcAft>
+                <a:spcPts val="0"/>
+              </a:spcAft>
+              <a:buNone/>
+            </a:pPr>
+            <a:r>
+              <a:t/>
+            </a:r>
+            <a:endParaRPr sz="1400">
+              <a:solidFill>
+                <a:srgbClr val="D9D9D9"/>
+              </a:solidFill>
+              <a:latin typeface="Arial"/>
+              <a:ea typeface="Arial"/>
+              <a:cs typeface="Arial"/>
+              <a:sym typeface="Arial"/>
+            </a:endParaRPr>
+          </a:p>
+          <a:p>
+            <a:pPr lvl="0" rtl="0">
+              <a:lnSpc>
+                <a:spcPct val="100000"/>
+              </a:lnSpc>
+              <a:spcBef>
+                <a:spcPts val="0"/>
+              </a:spcBef>
+              <a:spcAft>
+                <a:spcPts val="0"/>
+              </a:spcAft>
+              <a:buNone/>
+            </a:pPr>
+            <a:r>
+              <a:t/>
+            </a:r>
+            <a:endParaRPr sz="1400">
+              <a:solidFill>
+                <a:srgbClr val="D9D9D9"/>
+              </a:solidFill>
+              <a:latin typeface="Arial"/>
+              <a:ea typeface="Arial"/>
+              <a:cs typeface="Arial"/>
+              <a:sym typeface="Arial"/>
+            </a:endParaRPr>
+          </a:p>
+          <a:p>
+            <a:pPr lvl="0">
+              <a:lnSpc>
+                <a:spcPct val="100000"/>
+              </a:lnSpc>
+              <a:spcBef>
+                <a:spcPts val="0"/>
+              </a:spcBef>
+              <a:spcAft>
+                <a:spcPts val="0"/>
+              </a:spcAft>
+              <a:buNone/>
+            </a:pPr>
+            <a:r>
+              <a:t/>
+            </a:r>
+            <a:endParaRPr sz="1400">
+              <a:solidFill>
+                <a:srgbClr val="D9D9D9"/>
+              </a:solidFill>
+              <a:latin typeface="Arial"/>
+              <a:ea typeface="Arial"/>
+              <a:cs typeface="Arial"/>
+              <a:sym typeface="Arial"/>
+            </a:endParaRPr>
+          </a:p>
+          <a:p>
+            <a:pPr lvl="0" rtl="0">
+              <a:spcBef>
+                <a:spcPts val="0"/>
+              </a:spcBef>
+              <a:buNone/>
+            </a:pPr>
+            <a:r>
+              <a:t/>
+            </a:r>
+            <a:endParaRPr/>
+          </a:p>
+        </p:txBody>
+      </p:sp>
+      <p:pic>
+        <p:nvPicPr>
+          <p:cNvPr id="327" name="Shape 327"/>
           <p:cNvPicPr preferRelativeResize="0"/>
           <p:nvPr/>
         </p:nvPicPr>
@@ -13831,7 +14208,7 @@
   <p:cSld>
     <p:spTree>
       <p:nvGrpSpPr>
-        <p:cNvPr id="74" name="Shape 74"/>
+        <p:cNvPr id="75" name="Shape 75"/>
         <p:cNvGrpSpPr/>
         <p:nvPr/>
       </p:nvGrpSpPr>
@@ -13845,7 +14222,7 @@
       </p:grpSpPr>
       <p:sp>
         <p:nvSpPr>
-          <p:cNvPr id="75" name="Shape 75"/>
+          <p:cNvPr id="76" name="Shape 76"/>
           <p:cNvSpPr txBox="1"/>
           <p:nvPr>
             <p:ph type="title"/>
@@ -13881,7 +14258,7 @@
       </p:sp>
       <p:sp>
         <p:nvSpPr>
-          <p:cNvPr id="76" name="Shape 76"/>
+          <p:cNvPr id="77" name="Shape 77"/>
           <p:cNvSpPr txBox="1"/>
           <p:nvPr>
             <p:ph idx="1" type="body"/>
@@ -13953,7 +14330,7 @@
       </p:sp>
       <p:pic>
         <p:nvPicPr>
-          <p:cNvPr id="77" name="Shape 77"/>
+          <p:cNvPr id="78" name="Shape 78"/>
           <p:cNvPicPr preferRelativeResize="0"/>
           <p:nvPr/>
         </p:nvPicPr>
@@ -13979,48 +14356,6 @@
           </a:ln>
         </p:spPr>
       </p:pic>
-      <p:sp>
-        <p:nvSpPr>
-          <p:cNvPr id="78" name="Shape 78"/>
-          <p:cNvSpPr txBox="1"/>
-          <p:nvPr/>
-        </p:nvSpPr>
-        <p:spPr>
-          <a:xfrm>
-            <a:off x="2022175" y="4779825"/>
-            <a:ext cx="7257300" cy="419400"/>
-          </a:xfrm>
-          <a:prstGeom prst="rect">
-            <a:avLst/>
-          </a:prstGeom>
-          <a:noFill/>
-          <a:ln>
-            <a:noFill/>
-          </a:ln>
-        </p:spPr>
-        <p:txBody>
-          <a:bodyPr anchorCtr="0" anchor="ctr" bIns="91425" lIns="91425" rIns="91425" tIns="91425">
-            <a:noAutofit/>
-          </a:bodyPr>
-          <a:lstStyle/>
-          <a:p>
-            <a:pPr lvl="0" rtl="0">
-              <a:spcBef>
-                <a:spcPts val="0"/>
-              </a:spcBef>
-              <a:buNone/>
-            </a:pPr>
-            <a:r>
-              <a:rPr lang="en">
-                <a:solidFill>
-                  <a:srgbClr val="D9D9D9"/>
-                </a:solidFill>
-              </a:rPr>
-              <a:t>http://blog.orbitone.com/post/Angularjs-the-Model-View-Whatever-javascript-framework1</a:t>
-            </a:r>
-          </a:p>
-        </p:txBody>
-      </p:sp>
     </p:spTree>
   </p:cSld>
   <p:clrMapOvr>
@@ -14736,51 +15071,9 @@
           </a:ln>
         </p:spPr>
       </p:pic>
-      <p:sp>
-        <p:nvSpPr>
-          <p:cNvPr id="103" name="Shape 103"/>
-          <p:cNvSpPr txBox="1"/>
-          <p:nvPr/>
-        </p:nvSpPr>
-        <p:spPr>
-          <a:xfrm>
-            <a:off x="2022175" y="4779825"/>
-            <a:ext cx="7257300" cy="419400"/>
-          </a:xfrm>
-          <a:prstGeom prst="rect">
-            <a:avLst/>
-          </a:prstGeom>
-          <a:noFill/>
-          <a:ln>
-            <a:noFill/>
-          </a:ln>
-        </p:spPr>
-        <p:txBody>
-          <a:bodyPr anchorCtr="0" anchor="ctr" bIns="91425" lIns="91425" rIns="91425" tIns="91425">
-            <a:noAutofit/>
-          </a:bodyPr>
-          <a:lstStyle/>
-          <a:p>
-            <a:pPr lvl="0" rtl="0">
-              <a:spcBef>
-                <a:spcPts val="0"/>
-              </a:spcBef>
-              <a:buNone/>
-            </a:pPr>
-            <a:r>
-              <a:rPr lang="en">
-                <a:solidFill>
-                  <a:srgbClr val="D9D9D9"/>
-                </a:solidFill>
-              </a:rPr>
-              <a:t>http://blog.orbitone.com/post/Angularjs-the-Model-View-Whatever-javascript-framework1</a:t>
-            </a:r>
-          </a:p>
-        </p:txBody>
-      </p:sp>
       <p:pic>
         <p:nvPicPr>
-          <p:cNvPr id="104" name="Shape 104"/>
+          <p:cNvPr id="103" name="Shape 103"/>
           <p:cNvPicPr preferRelativeResize="0"/>
           <p:nvPr/>
         </p:nvPicPr>
@@ -14819,7 +15112,7 @@
   <p:cSld>
     <p:spTree>
       <p:nvGrpSpPr>
-        <p:cNvPr id="108" name="Shape 108"/>
+        <p:cNvPr id="107" name="Shape 107"/>
         <p:cNvGrpSpPr/>
         <p:nvPr/>
       </p:nvGrpSpPr>
@@ -14833,7 +15126,7 @@
       </p:grpSpPr>
       <p:sp>
         <p:nvSpPr>
-          <p:cNvPr id="109" name="Shape 109"/>
+          <p:cNvPr id="108" name="Shape 108"/>
           <p:cNvSpPr txBox="1"/>
           <p:nvPr>
             <p:ph type="title"/>
@@ -14869,7 +15162,7 @@
       </p:sp>
       <p:pic>
         <p:nvPicPr>
-          <p:cNvPr id="110" name="Shape 110"/>
+          <p:cNvPr id="109" name="Shape 109"/>
           <p:cNvPicPr preferRelativeResize="0"/>
           <p:nvPr/>
         </p:nvPicPr>
@@ -14897,7 +15190,7 @@
       </p:pic>
       <p:sp>
         <p:nvSpPr>
-          <p:cNvPr id="111" name="Shape 111"/>
+          <p:cNvPr id="110" name="Shape 110"/>
           <p:cNvSpPr/>
           <p:nvPr/>
         </p:nvSpPr>
@@ -14961,7 +15254,7 @@
       </p:sp>
       <p:sp>
         <p:nvSpPr>
-          <p:cNvPr id="112" name="Shape 112"/>
+          <p:cNvPr id="111" name="Shape 111"/>
           <p:cNvSpPr/>
           <p:nvPr/>
         </p:nvSpPr>
@@ -15033,7 +15326,7 @@
       </p:sp>
       <p:sp>
         <p:nvSpPr>
-          <p:cNvPr id="113" name="Shape 113"/>
+          <p:cNvPr id="112" name="Shape 112"/>
           <p:cNvSpPr/>
           <p:nvPr/>
         </p:nvSpPr>
@@ -15079,7 +15372,7 @@
       </p:sp>
       <p:sp>
         <p:nvSpPr>
-          <p:cNvPr id="114" name="Shape 114"/>
+          <p:cNvPr id="113" name="Shape 113"/>
           <p:cNvSpPr/>
           <p:nvPr/>
         </p:nvSpPr>
@@ -15151,7 +15444,7 @@
       </p:sp>
       <p:pic>
         <p:nvPicPr>
-          <p:cNvPr id="115" name="Shape 115"/>
+          <p:cNvPr id="114" name="Shape 114"/>
           <p:cNvPicPr preferRelativeResize="0"/>
           <p:nvPr/>
         </p:nvPicPr>
@@ -15179,7 +15472,7 @@
       </p:pic>
       <p:sp>
         <p:nvSpPr>
-          <p:cNvPr id="116" name="Shape 116"/>
+          <p:cNvPr id="115" name="Shape 115"/>
           <p:cNvSpPr/>
           <p:nvPr/>
         </p:nvSpPr>
@@ -15243,7 +15536,7 @@
       </p:sp>
       <p:sp>
         <p:nvSpPr>
-          <p:cNvPr id="117" name="Shape 117"/>
+          <p:cNvPr id="116" name="Shape 116"/>
           <p:cNvSpPr/>
           <p:nvPr/>
         </p:nvSpPr>
@@ -15315,7 +15608,7 @@
       </p:sp>
       <p:pic>
         <p:nvPicPr>
-          <p:cNvPr id="118" name="Shape 118"/>
+          <p:cNvPr id="117" name="Shape 117"/>
           <p:cNvPicPr preferRelativeResize="0"/>
           <p:nvPr/>
         </p:nvPicPr>
@@ -15343,7 +15636,7 @@
       </p:pic>
       <p:sp>
         <p:nvSpPr>
-          <p:cNvPr id="119" name="Shape 119"/>
+          <p:cNvPr id="118" name="Shape 118"/>
           <p:cNvSpPr/>
           <p:nvPr/>
         </p:nvSpPr>
@@ -15407,7 +15700,7 @@
       </p:sp>
       <p:pic>
         <p:nvPicPr>
-          <p:cNvPr id="120" name="Shape 120"/>
+          <p:cNvPr id="119" name="Shape 119"/>
           <p:cNvPicPr preferRelativeResize="0"/>
           <p:nvPr/>
         </p:nvPicPr>
@@ -15435,7 +15728,7 @@
       </p:pic>
       <p:sp>
         <p:nvSpPr>
-          <p:cNvPr id="121" name="Shape 121"/>
+          <p:cNvPr id="120" name="Shape 120"/>
           <p:cNvSpPr/>
           <p:nvPr/>
         </p:nvSpPr>
@@ -15499,7 +15792,7 @@
       </p:sp>
       <p:sp>
         <p:nvSpPr>
-          <p:cNvPr id="122" name="Shape 122"/>
+          <p:cNvPr id="121" name="Shape 121"/>
           <p:cNvSpPr/>
           <p:nvPr/>
         </p:nvSpPr>
@@ -15563,7 +15856,7 @@
       </p:sp>
       <p:sp>
         <p:nvSpPr>
-          <p:cNvPr id="123" name="Shape 123"/>
+          <p:cNvPr id="122" name="Shape 122"/>
           <p:cNvSpPr/>
           <p:nvPr/>
         </p:nvSpPr>
@@ -15627,7 +15920,7 @@
       </p:sp>
       <p:sp>
         <p:nvSpPr>
-          <p:cNvPr id="124" name="Shape 124"/>
+          <p:cNvPr id="123" name="Shape 123"/>
           <p:cNvSpPr/>
           <p:nvPr/>
         </p:nvSpPr>
@@ -15707,7 +16000,7 @@
       </p:sp>
       <p:sp>
         <p:nvSpPr>
-          <p:cNvPr id="125" name="Shape 125"/>
+          <p:cNvPr id="124" name="Shape 124"/>
           <p:cNvSpPr txBox="1"/>
           <p:nvPr/>
         </p:nvSpPr>
@@ -15749,7 +16042,7 @@
       </p:sp>
       <p:sp>
         <p:nvSpPr>
-          <p:cNvPr id="126" name="Shape 126"/>
+          <p:cNvPr id="125" name="Shape 125"/>
           <p:cNvSpPr/>
           <p:nvPr/>
         </p:nvSpPr>
@@ -15813,7 +16106,7 @@
       </p:sp>
       <p:pic>
         <p:nvPicPr>
-          <p:cNvPr id="127" name="Shape 127"/>
+          <p:cNvPr id="126" name="Shape 126"/>
           <p:cNvPicPr preferRelativeResize="0"/>
           <p:nvPr/>
         </p:nvPicPr>
@@ -15841,10 +16134,10 @@
       </p:pic>
       <p:cxnSp>
         <p:nvCxnSpPr>
-          <p:cNvPr id="128" name="Shape 128"/>
+          <p:cNvPr id="127" name="Shape 127"/>
           <p:cNvCxnSpPr>
-            <a:stCxn id="111" idx="3"/>
-            <a:endCxn id="114" idx="3"/>
+            <a:stCxn id="110" idx="3"/>
+            <a:endCxn id="113" idx="3"/>
           </p:cNvCxnSpPr>
           <p:nvPr/>
         </p:nvCxnSpPr>
@@ -15872,10 +16165,10 @@
       </p:cxnSp>
       <p:cxnSp>
         <p:nvCxnSpPr>
-          <p:cNvPr id="129" name="Shape 129"/>
+          <p:cNvPr id="128" name="Shape 128"/>
           <p:cNvCxnSpPr>
-            <a:stCxn id="114" idx="1"/>
-            <a:endCxn id="111" idx="1"/>
+            <a:stCxn id="113" idx="1"/>
+            <a:endCxn id="110" idx="1"/>
           </p:cNvCxnSpPr>
           <p:nvPr/>
         </p:nvCxnSpPr>
@@ -15903,7 +16196,7 @@
       </p:cxnSp>
       <p:sp>
         <p:nvSpPr>
-          <p:cNvPr id="130" name="Shape 130"/>
+          <p:cNvPr id="129" name="Shape 129"/>
           <p:cNvSpPr txBox="1"/>
           <p:nvPr/>
         </p:nvSpPr>
@@ -15961,7 +16254,7 @@
       </p:sp>
       <p:sp>
         <p:nvSpPr>
-          <p:cNvPr id="131" name="Shape 131"/>
+          <p:cNvPr id="130" name="Shape 130"/>
           <p:cNvSpPr txBox="1"/>
           <p:nvPr/>
         </p:nvSpPr>
@@ -16027,7 +16320,7 @@
       </p:sp>
       <p:cxnSp>
         <p:nvCxnSpPr>
-          <p:cNvPr id="132" name="Shape 132"/>
+          <p:cNvPr id="131" name="Shape 131"/>
           <p:cNvCxnSpPr/>
           <p:nvPr/>
         </p:nvCxnSpPr>
@@ -16053,7 +16346,7 @@
       </p:cxnSp>
       <p:cxnSp>
         <p:nvCxnSpPr>
-          <p:cNvPr id="133" name="Shape 133"/>
+          <p:cNvPr id="132" name="Shape 132"/>
           <p:cNvCxnSpPr/>
           <p:nvPr/>
         </p:nvCxnSpPr>
@@ -16079,7 +16372,7 @@
       </p:cxnSp>
       <p:sp>
         <p:nvSpPr>
-          <p:cNvPr id="134" name="Shape 134"/>
+          <p:cNvPr id="133" name="Shape 133"/>
           <p:cNvSpPr/>
           <p:nvPr/>
         </p:nvSpPr>
@@ -16125,7 +16418,7 @@
       </p:sp>
       <p:sp>
         <p:nvSpPr>
-          <p:cNvPr id="135" name="Shape 135"/>
+          <p:cNvPr id="134" name="Shape 134"/>
           <p:cNvSpPr/>
           <p:nvPr/>
         </p:nvSpPr>
@@ -16171,7 +16464,7 @@
       </p:sp>
       <p:sp>
         <p:nvSpPr>
-          <p:cNvPr id="136" name="Shape 136"/>
+          <p:cNvPr id="135" name="Shape 135"/>
           <p:cNvSpPr/>
           <p:nvPr/>
         </p:nvSpPr>
@@ -16217,7 +16510,7 @@
       </p:sp>
       <p:sp>
         <p:nvSpPr>
-          <p:cNvPr id="137" name="Shape 137"/>
+          <p:cNvPr id="136" name="Shape 136"/>
           <p:cNvSpPr/>
           <p:nvPr/>
         </p:nvSpPr>
@@ -16263,13 +16556,13 @@
       </p:sp>
       <p:sp>
         <p:nvSpPr>
-          <p:cNvPr id="138" name="Shape 138"/>
+          <p:cNvPr id="137" name="Shape 137"/>
           <p:cNvSpPr/>
           <p:nvPr/>
         </p:nvSpPr>
         <p:spPr>
           <a:xfrm>
-            <a:off x="6366575" y="1507850"/>
+            <a:off x="7722875" y="1440425"/>
             <a:ext cx="382800" cy="382800"/>
           </a:xfrm>
           <a:prstGeom prst="ellipse">
@@ -16309,7 +16602,7 @@
       </p:sp>
       <p:sp>
         <p:nvSpPr>
-          <p:cNvPr id="139" name="Shape 139"/>
+          <p:cNvPr id="138" name="Shape 138"/>
           <p:cNvSpPr/>
           <p:nvPr/>
         </p:nvSpPr>
@@ -16355,13 +16648,13 @@
       </p:sp>
       <p:sp>
         <p:nvSpPr>
-          <p:cNvPr id="140" name="Shape 140"/>
+          <p:cNvPr id="139" name="Shape 139"/>
           <p:cNvSpPr/>
           <p:nvPr/>
         </p:nvSpPr>
         <p:spPr>
           <a:xfrm>
-            <a:off x="3302400" y="3491275"/>
+            <a:off x="3312750" y="2616250"/>
             <a:ext cx="382800" cy="382800"/>
           </a:xfrm>
           <a:prstGeom prst="ellipse">
@@ -16401,13 +16694,13 @@
       </p:sp>
       <p:sp>
         <p:nvSpPr>
-          <p:cNvPr id="141" name="Shape 141"/>
+          <p:cNvPr id="140" name="Shape 140"/>
           <p:cNvSpPr/>
           <p:nvPr/>
         </p:nvSpPr>
         <p:spPr>
           <a:xfrm>
-            <a:off x="6479075" y="2536375"/>
+            <a:off x="7614875" y="2536375"/>
             <a:ext cx="382800" cy="382800"/>
           </a:xfrm>
           <a:prstGeom prst="ellipse">
@@ -16447,7 +16740,7 @@
       </p:sp>
       <p:sp>
         <p:nvSpPr>
-          <p:cNvPr id="142" name="Shape 142"/>
+          <p:cNvPr id="141" name="Shape 141"/>
           <p:cNvSpPr/>
           <p:nvPr/>
         </p:nvSpPr>
@@ -16493,7 +16786,7 @@
       </p:sp>
       <p:sp>
         <p:nvSpPr>
-          <p:cNvPr id="143" name="Shape 143"/>
+          <p:cNvPr id="142" name="Shape 142"/>
           <p:cNvSpPr/>
           <p:nvPr/>
         </p:nvSpPr>
@@ -16550,7 +16843,7 @@
   <p:cSld>
     <p:spTree>
       <p:nvGrpSpPr>
-        <p:cNvPr id="147" name="Shape 147"/>
+        <p:cNvPr id="146" name="Shape 146"/>
         <p:cNvGrpSpPr/>
         <p:nvPr/>
       </p:nvGrpSpPr>
@@ -16564,7 +16857,7 @@
       </p:grpSpPr>
       <p:sp>
         <p:nvSpPr>
-          <p:cNvPr id="148" name="Shape 148"/>
+          <p:cNvPr id="147" name="Shape 147"/>
           <p:cNvSpPr txBox="1"/>
           <p:nvPr>
             <p:ph type="title"/>
@@ -16600,7 +16893,7 @@
       </p:sp>
       <p:sp>
         <p:nvSpPr>
-          <p:cNvPr id="149" name="Shape 149"/>
+          <p:cNvPr id="148" name="Shape 148"/>
           <p:cNvSpPr txBox="1"/>
           <p:nvPr>
             <p:ph idx="1" type="body"/>
@@ -16729,7 +17022,7 @@
       </p:sp>
       <p:pic>
         <p:nvPicPr>
-          <p:cNvPr id="150" name="Shape 150"/>
+          <p:cNvPr id="149" name="Shape 149"/>
           <p:cNvPicPr preferRelativeResize="0"/>
           <p:nvPr/>
         </p:nvPicPr>
@@ -16757,7 +17050,7 @@
       </p:pic>
       <p:sp>
         <p:nvSpPr>
-          <p:cNvPr id="151" name="Shape 151"/>
+          <p:cNvPr id="150" name="Shape 150"/>
           <p:cNvSpPr txBox="1"/>
           <p:nvPr/>
         </p:nvSpPr>
@@ -16913,7 +17206,7 @@
       </p:sp>
       <p:sp>
         <p:nvSpPr>
-          <p:cNvPr id="152" name="Shape 152"/>
+          <p:cNvPr id="151" name="Shape 151"/>
           <p:cNvSpPr/>
           <p:nvPr/>
         </p:nvSpPr>
@@ -16985,7 +17278,7 @@
       </p:sp>
       <p:sp>
         <p:nvSpPr>
-          <p:cNvPr id="153" name="Shape 153"/>
+          <p:cNvPr id="152" name="Shape 152"/>
           <p:cNvSpPr/>
           <p:nvPr/>
         </p:nvSpPr>
@@ -17057,7 +17350,7 @@
       </p:sp>
       <p:sp>
         <p:nvSpPr>
-          <p:cNvPr id="154" name="Shape 154"/>
+          <p:cNvPr id="153" name="Shape 153"/>
           <p:cNvSpPr/>
           <p:nvPr/>
         </p:nvSpPr>
@@ -17140,7 +17433,7 @@
   <p:cSld>
     <p:spTree>
       <p:nvGrpSpPr>
-        <p:cNvPr id="158" name="Shape 158"/>
+        <p:cNvPr id="157" name="Shape 157"/>
         <p:cNvGrpSpPr/>
         <p:nvPr/>
       </p:nvGrpSpPr>
@@ -17154,7 +17447,7 @@
       </p:grpSpPr>
       <p:sp>
         <p:nvSpPr>
-          <p:cNvPr id="159" name="Shape 159"/>
+          <p:cNvPr id="158" name="Shape 158"/>
           <p:cNvSpPr txBox="1"/>
           <p:nvPr>
             <p:ph type="title"/>
@@ -17190,7 +17483,7 @@
       </p:sp>
       <p:sp>
         <p:nvSpPr>
-          <p:cNvPr id="160" name="Shape 160"/>
+          <p:cNvPr id="159" name="Shape 159"/>
           <p:cNvSpPr txBox="1"/>
           <p:nvPr>
             <p:ph idx="1" type="body"/>
@@ -17254,7 +17547,7 @@
       </p:sp>
       <p:pic>
         <p:nvPicPr>
-          <p:cNvPr id="161" name="Shape 161"/>
+          <p:cNvPr id="160" name="Shape 160"/>
           <p:cNvPicPr preferRelativeResize="0"/>
           <p:nvPr/>
         </p:nvPicPr>
@@ -17282,7 +17575,7 @@
       </p:pic>
       <p:sp>
         <p:nvSpPr>
-          <p:cNvPr id="162" name="Shape 162"/>
+          <p:cNvPr id="161" name="Shape 161"/>
           <p:cNvSpPr txBox="1"/>
           <p:nvPr/>
         </p:nvSpPr>
@@ -17516,7 +17809,7 @@
       </p:sp>
       <p:sp>
         <p:nvSpPr>
-          <p:cNvPr id="163" name="Shape 163"/>
+          <p:cNvPr id="162" name="Shape 162"/>
           <p:cNvSpPr/>
           <p:nvPr/>
         </p:nvSpPr>
@@ -17580,7 +17873,7 @@
       </p:sp>
       <p:sp>
         <p:nvSpPr>
-          <p:cNvPr id="164" name="Shape 164"/>
+          <p:cNvPr id="163" name="Shape 163"/>
           <p:cNvSpPr/>
           <p:nvPr/>
         </p:nvSpPr>
@@ -17633,6 +17926,285 @@
 </file>
 
 <file path=ppt/theme/theme1.xml><?xml version="1.0" encoding="utf-8"?>
+<a:theme xmlns:a="http://schemas.openxmlformats.org/drawingml/2006/main" xmlns:r="http://schemas.openxmlformats.org/officeDocument/2006/relationships" name="Custom Theme">
+  <a:themeElements>
+    <a:clrScheme name="Default">
+      <a:dk1>
+        <a:srgbClr val="000000"/>
+      </a:dk1>
+      <a:lt1>
+        <a:srgbClr val="FFFFFF"/>
+      </a:lt1>
+      <a:dk2>
+        <a:srgbClr val="158158"/>
+      </a:dk2>
+      <a:lt2>
+        <a:srgbClr val="F3F3F3"/>
+      </a:lt2>
+      <a:accent1>
+        <a:srgbClr val="058DC7"/>
+      </a:accent1>
+      <a:accent2>
+        <a:srgbClr val="50B432"/>
+      </a:accent2>
+      <a:accent3>
+        <a:srgbClr val="ED561B"/>
+      </a:accent3>
+      <a:accent4>
+        <a:srgbClr val="EDEF00"/>
+      </a:accent4>
+      <a:accent5>
+        <a:srgbClr val="24CBE5"/>
+      </a:accent5>
+      <a:accent6>
+        <a:srgbClr val="64E572"/>
+      </a:accent6>
+      <a:hlink>
+        <a:srgbClr val="2200CC"/>
+      </a:hlink>
+      <a:folHlink>
+        <a:srgbClr val="551A8B"/>
+      </a:folHlink>
+    </a:clrScheme>
+    <a:fontScheme name="Office">
+      <a:majorFont>
+        <a:latin typeface="Arial"/>
+        <a:ea typeface=""/>
+        <a:cs typeface=""/>
+        <a:font script="Jpan" typeface="ＭＳ Ｐゴシック"/>
+        <a:font script="Hang" typeface="맑은 고딕"/>
+        <a:font script="Hans" typeface="宋体"/>
+        <a:font script="Hant" typeface="新細明體"/>
+        <a:font script="Arab" typeface="Times New Roman"/>
+        <a:font script="Hebr" typeface="Times New Roman"/>
+        <a:font script="Thai" typeface="Angsana New"/>
+        <a:font script="Ethi" typeface="Nyala"/>
+        <a:font script="Beng" typeface="Vrinda"/>
+        <a:font script="Gujr" typeface="Shruti"/>
+        <a:font script="Khmr" typeface="MoolBoran"/>
+        <a:font script="Knda" typeface="Tunga"/>
+        <a:font script="Guru" typeface="Raavi"/>
+        <a:font script="Cans" typeface="Euphemia"/>
+        <a:font script="Cher" typeface="Plantagenet Cherokee"/>
+        <a:font script="Yiii" typeface="Microsoft Yi Baiti"/>
+        <a:font script="Tibt" typeface="Microsoft Himalaya"/>
+        <a:font script="Thaa" typeface="MV Boli"/>
+        <a:font script="Deva" typeface="Mangal"/>
+        <a:font script="Telu" typeface="Gautami"/>
+        <a:font script="Taml" typeface="Latha"/>
+        <a:font script="Syrc" typeface="Estrangelo Edessa"/>
+        <a:font script="Orya" typeface="Kalinga"/>
+        <a:font script="Mlym" typeface="Kartika"/>
+        <a:font script="Laoo" typeface="DokChampa"/>
+        <a:font script="Sinh" typeface="Iskoola Pota"/>
+        <a:font script="Mong" typeface="Mongolian Baiti"/>
+        <a:font script="Viet" typeface="Times New Roman"/>
+        <a:font script="Uigh" typeface="Microsoft Uighur"/>
+        <a:font script="Geor" typeface="Sylfaen"/>
+      </a:majorFont>
+      <a:minorFont>
+        <a:latin typeface="Arial"/>
+        <a:ea typeface=""/>
+        <a:cs typeface=""/>
+        <a:font script="Jpan" typeface="ＭＳ Ｐゴシック"/>
+        <a:font script="Hang" typeface="맑은 고딕"/>
+        <a:font script="Hans" typeface="宋体"/>
+        <a:font script="Hant" typeface="新細明體"/>
+        <a:font script="Arab" typeface="Arial"/>
+        <a:font script="Hebr" typeface="Arial"/>
+        <a:font script="Thai" typeface="Cordia New"/>
+        <a:font script="Ethi" typeface="Nyala"/>
+        <a:font script="Beng" typeface="Vrinda"/>
+        <a:font script="Gujr" typeface="Shruti"/>
+        <a:font script="Khmr" typeface="DaunPenh"/>
+        <a:font script="Knda" typeface="Tunga"/>
+        <a:font script="Guru" typeface="Raavi"/>
+        <a:font script="Cans" typeface="Euphemia"/>
+        <a:font script="Cher" typeface="Plantagenet Cherokee"/>
+        <a:font script="Yiii" typeface="Microsoft Yi Baiti"/>
+        <a:font script="Tibt" typeface="Microsoft Himalaya"/>
+        <a:font script="Thaa" typeface="MV Boli"/>
+        <a:font script="Deva" typeface="Mangal"/>
+        <a:font script="Telu" typeface="Gautami"/>
+        <a:font script="Taml" typeface="Latha"/>
+        <a:font script="Syrc" typeface="Estrangelo Edessa"/>
+        <a:font script="Orya" typeface="Kalinga"/>
+        <a:font script="Mlym" typeface="Kartika"/>
+        <a:font script="Laoo" typeface="DokChampa"/>
+        <a:font script="Sinh" typeface="Iskoola Pota"/>
+        <a:font script="Mong" typeface="Mongolian Baiti"/>
+        <a:font script="Viet" typeface="Arial"/>
+        <a:font script="Uigh" typeface="Microsoft Uighur"/>
+        <a:font script="Geor" typeface="Sylfaen"/>
+      </a:minorFont>
+    </a:fontScheme>
+    <a:fmtScheme name="Office">
+      <a:fillStyleLst>
+        <a:solidFill>
+          <a:schemeClr val="phClr"/>
+        </a:solidFill>
+        <a:gradFill rotWithShape="1">
+          <a:gsLst>
+            <a:gs pos="0">
+              <a:schemeClr val="phClr">
+                <a:tint val="50000"/>
+                <a:satMod val="300000"/>
+              </a:schemeClr>
+            </a:gs>
+            <a:gs pos="35000">
+              <a:schemeClr val="phClr">
+                <a:tint val="37000"/>
+                <a:satMod val="300000"/>
+              </a:schemeClr>
+            </a:gs>
+            <a:gs pos="100000">
+              <a:schemeClr val="phClr">
+                <a:tint val="15000"/>
+                <a:satMod val="350000"/>
+              </a:schemeClr>
+            </a:gs>
+          </a:gsLst>
+          <a:lin ang="16200000" scaled="1"/>
+        </a:gradFill>
+        <a:gradFill rotWithShape="1">
+          <a:gsLst>
+            <a:gs pos="0">
+              <a:schemeClr val="phClr">
+                <a:tint val="100000"/>
+                <a:shade val="100000"/>
+                <a:satMod val="130000"/>
+              </a:schemeClr>
+            </a:gs>
+            <a:gs pos="100000">
+              <a:schemeClr val="phClr">
+                <a:tint val="50000"/>
+                <a:shade val="100000"/>
+                <a:satMod val="350000"/>
+              </a:schemeClr>
+            </a:gs>
+          </a:gsLst>
+          <a:lin ang="16200000" scaled="0"/>
+        </a:gradFill>
+      </a:fillStyleLst>
+      <a:lnStyleLst>
+        <a:ln w="9525" cap="flat" cmpd="sng" algn="ctr">
+          <a:solidFill>
+            <a:schemeClr val="phClr">
+              <a:shade val="95000"/>
+              <a:satMod val="105000"/>
+            </a:schemeClr>
+          </a:solidFill>
+          <a:prstDash val="solid"/>
+        </a:ln>
+        <a:ln w="25400" cap="flat" cmpd="sng" algn="ctr">
+          <a:solidFill>
+            <a:schemeClr val="phClr"/>
+          </a:solidFill>
+          <a:prstDash val="solid"/>
+        </a:ln>
+        <a:ln w="38100" cap="flat" cmpd="sng" algn="ctr">
+          <a:solidFill>
+            <a:schemeClr val="phClr"/>
+          </a:solidFill>
+          <a:prstDash val="solid"/>
+        </a:ln>
+      </a:lnStyleLst>
+      <a:effectStyleLst>
+        <a:effectStyle>
+          <a:effectLst>
+            <a:outerShdw blurRad="40000" dist="20000" dir="5400000" rotWithShape="0">
+              <a:srgbClr val="000000">
+                <a:alpha val="38000"/>
+              </a:srgbClr>
+            </a:outerShdw>
+          </a:effectLst>
+        </a:effectStyle>
+        <a:effectStyle>
+          <a:effectLst>
+            <a:outerShdw blurRad="40000" dist="23000" dir="5400000" rotWithShape="0">
+              <a:srgbClr val="000000">
+                <a:alpha val="35000"/>
+              </a:srgbClr>
+            </a:outerShdw>
+          </a:effectLst>
+        </a:effectStyle>
+        <a:effectStyle>
+          <a:effectLst>
+            <a:outerShdw blurRad="40000" dist="23000" dir="5400000" rotWithShape="0">
+              <a:srgbClr val="000000">
+                <a:alpha val="35000"/>
+              </a:srgbClr>
+            </a:outerShdw>
+          </a:effectLst>
+          <a:scene3d>
+            <a:camera prst="orthographicFront">
+              <a:rot lat="0" lon="0" rev="0"/>
+            </a:camera>
+            <a:lightRig rig="threePt" dir="t">
+              <a:rot lat="0" lon="0" rev="1200000"/>
+            </a:lightRig>
+          </a:scene3d>
+          <a:sp3d>
+            <a:bevelT w="63500" h="25400"/>
+          </a:sp3d>
+        </a:effectStyle>
+      </a:effectStyleLst>
+      <a:bgFillStyleLst>
+        <a:solidFill>
+          <a:schemeClr val="phClr"/>
+        </a:solidFill>
+        <a:gradFill rotWithShape="1">
+          <a:gsLst>
+            <a:gs pos="0">
+              <a:schemeClr val="phClr">
+                <a:tint val="40000"/>
+                <a:satMod val="350000"/>
+              </a:schemeClr>
+            </a:gs>
+            <a:gs pos="40000">
+              <a:schemeClr val="phClr">
+                <a:tint val="45000"/>
+                <a:shade val="99000"/>
+                <a:satMod val="350000"/>
+              </a:schemeClr>
+            </a:gs>
+            <a:gs pos="100000">
+              <a:schemeClr val="phClr">
+                <a:shade val="20000"/>
+                <a:satMod val="255000"/>
+              </a:schemeClr>
+            </a:gs>
+          </a:gsLst>
+          <a:path path="circle">
+            <a:fillToRect l="50000" t="-80000" r="50000" b="180000"/>
+          </a:path>
+        </a:gradFill>
+        <a:gradFill rotWithShape="1">
+          <a:gsLst>
+            <a:gs pos="0">
+              <a:schemeClr val="phClr">
+                <a:tint val="80000"/>
+                <a:satMod val="300000"/>
+              </a:schemeClr>
+            </a:gs>
+            <a:gs pos="100000">
+              <a:schemeClr val="phClr">
+                <a:shade val="30000"/>
+                <a:satMod val="200000"/>
+              </a:schemeClr>
+            </a:gs>
+          </a:gsLst>
+          <a:path path="circle">
+            <a:fillToRect l="50000" t="50000" r="50000" b="50000"/>
+          </a:path>
+        </a:gradFill>
+      </a:bgFillStyleLst>
+    </a:fmtScheme>
+  </a:themeElements>
+</a:theme>
+</file>
+
+<file path=ppt/theme/theme2.xml><?xml version="1.0" encoding="utf-8"?>
 <a:theme xmlns:a="http://schemas.openxmlformats.org/drawingml/2006/main" xmlns:r="http://schemas.openxmlformats.org/officeDocument/2006/relationships" name="slate">
   <a:themeElements>
     <a:clrScheme name="Slate">
@@ -17909,283 +18481,4 @@
     </a:fmtScheme>
   </a:themeElements>
 </a:theme>
-</file>
-
-<file path=ppt/theme/theme2.xml><?xml version="1.0" encoding="utf-8"?>
-<a:theme xmlns:a="http://schemas.openxmlformats.org/drawingml/2006/main" xmlns:r="http://schemas.openxmlformats.org/officeDocument/2006/relationships" name="Custom Theme">
-  <a:themeElements>
-    <a:clrScheme name="Default">
-      <a:dk1>
-        <a:srgbClr val="000000"/>
-      </a:dk1>
-      <a:lt1>
-        <a:srgbClr val="FFFFFF"/>
-      </a:lt1>
-      <a:dk2>
-        <a:srgbClr val="158158"/>
-      </a:dk2>
-      <a:lt2>
-        <a:srgbClr val="F3F3F3"/>
-      </a:lt2>
-      <a:accent1>
-        <a:srgbClr val="058DC7"/>
-      </a:accent1>
-      <a:accent2>
-        <a:srgbClr val="50B432"/>
-      </a:accent2>
-      <a:accent3>
-        <a:srgbClr val="ED561B"/>
-      </a:accent3>
-      <a:accent4>
-        <a:srgbClr val="EDEF00"/>
-      </a:accent4>
-      <a:accent5>
-        <a:srgbClr val="24CBE5"/>
-      </a:accent5>
-      <a:accent6>
-        <a:srgbClr val="64E572"/>
-      </a:accent6>
-      <a:hlink>
-        <a:srgbClr val="2200CC"/>
-      </a:hlink>
-      <a:folHlink>
-        <a:srgbClr val="551A8B"/>
-      </a:folHlink>
-    </a:clrScheme>
-    <a:fontScheme name="Office">
-      <a:majorFont>
-        <a:latin typeface="Arial"/>
-        <a:ea typeface=""/>
-        <a:cs typeface=""/>
-        <a:font script="Jpan" typeface="ＭＳ Ｐゴシック"/>
-        <a:font script="Hang" typeface="맑은 고딕"/>
-        <a:font script="Hans" typeface="宋体"/>
-        <a:font script="Hant" typeface="新細明體"/>
-        <a:font script="Arab" typeface="Times New Roman"/>
-        <a:font script="Hebr" typeface="Times New Roman"/>
-        <a:font script="Thai" typeface="Angsana New"/>
-        <a:font script="Ethi" typeface="Nyala"/>
-        <a:font script="Beng" typeface="Vrinda"/>
-        <a:font script="Gujr" typeface="Shruti"/>
-        <a:font script="Khmr" typeface="MoolBoran"/>
-        <a:font script="Knda" typeface="Tunga"/>
-        <a:font script="Guru" typeface="Raavi"/>
-        <a:font script="Cans" typeface="Euphemia"/>
-        <a:font script="Cher" typeface="Plantagenet Cherokee"/>
-        <a:font script="Yiii" typeface="Microsoft Yi Baiti"/>
-        <a:font script="Tibt" typeface="Microsoft Himalaya"/>
-        <a:font script="Thaa" typeface="MV Boli"/>
-        <a:font script="Deva" typeface="Mangal"/>
-        <a:font script="Telu" typeface="Gautami"/>
-        <a:font script="Taml" typeface="Latha"/>
-        <a:font script="Syrc" typeface="Estrangelo Edessa"/>
-        <a:font script="Orya" typeface="Kalinga"/>
-        <a:font script="Mlym" typeface="Kartika"/>
-        <a:font script="Laoo" typeface="DokChampa"/>
-        <a:font script="Sinh" typeface="Iskoola Pota"/>
-        <a:font script="Mong" typeface="Mongolian Baiti"/>
-        <a:font script="Viet" typeface="Times New Roman"/>
-        <a:font script="Uigh" typeface="Microsoft Uighur"/>
-        <a:font script="Geor" typeface="Sylfaen"/>
-      </a:majorFont>
-      <a:minorFont>
-        <a:latin typeface="Arial"/>
-        <a:ea typeface=""/>
-        <a:cs typeface=""/>
-        <a:font script="Jpan" typeface="ＭＳ Ｐゴシック"/>
-        <a:font script="Hang" typeface="맑은 고딕"/>
-        <a:font script="Hans" typeface="宋体"/>
-        <a:font script="Hant" typeface="新細明體"/>
-        <a:font script="Arab" typeface="Arial"/>
-        <a:font script="Hebr" typeface="Arial"/>
-        <a:font script="Thai" typeface="Cordia New"/>
-        <a:font script="Ethi" typeface="Nyala"/>
-        <a:font script="Beng" typeface="Vrinda"/>
-        <a:font script="Gujr" typeface="Shruti"/>
-        <a:font script="Khmr" typeface="DaunPenh"/>
-        <a:font script="Knda" typeface="Tunga"/>
-        <a:font script="Guru" typeface="Raavi"/>
-        <a:font script="Cans" typeface="Euphemia"/>
-        <a:font script="Cher" typeface="Plantagenet Cherokee"/>
-        <a:font script="Yiii" typeface="Microsoft Yi Baiti"/>
-        <a:font script="Tibt" typeface="Microsoft Himalaya"/>
-        <a:font script="Thaa" typeface="MV Boli"/>
-        <a:font script="Deva" typeface="Mangal"/>
-        <a:font script="Telu" typeface="Gautami"/>
-        <a:font script="Taml" typeface="Latha"/>
-        <a:font script="Syrc" typeface="Estrangelo Edessa"/>
-        <a:font script="Orya" typeface="Kalinga"/>
-        <a:font script="Mlym" typeface="Kartika"/>
-        <a:font script="Laoo" typeface="DokChampa"/>
-        <a:font script="Sinh" typeface="Iskoola Pota"/>
-        <a:font script="Mong" typeface="Mongolian Baiti"/>
-        <a:font script="Viet" typeface="Arial"/>
-        <a:font script="Uigh" typeface="Microsoft Uighur"/>
-        <a:font script="Geor" typeface="Sylfaen"/>
-      </a:minorFont>
-    </a:fontScheme>
-    <a:fmtScheme name="Office">
-      <a:fillStyleLst>
-        <a:solidFill>
-          <a:schemeClr val="phClr"/>
-        </a:solidFill>
-        <a:gradFill rotWithShape="1">
-          <a:gsLst>
-            <a:gs pos="0">
-              <a:schemeClr val="phClr">
-                <a:tint val="50000"/>
-                <a:satMod val="300000"/>
-              </a:schemeClr>
-            </a:gs>
-            <a:gs pos="35000">
-              <a:schemeClr val="phClr">
-                <a:tint val="37000"/>
-                <a:satMod val="300000"/>
-              </a:schemeClr>
-            </a:gs>
-            <a:gs pos="100000">
-              <a:schemeClr val="phClr">
-                <a:tint val="15000"/>
-                <a:satMod val="350000"/>
-              </a:schemeClr>
-            </a:gs>
-          </a:gsLst>
-          <a:lin ang="16200000" scaled="1"/>
-        </a:gradFill>
-        <a:gradFill rotWithShape="1">
-          <a:gsLst>
-            <a:gs pos="0">
-              <a:schemeClr val="phClr">
-                <a:tint val="100000"/>
-                <a:shade val="100000"/>
-                <a:satMod val="130000"/>
-              </a:schemeClr>
-            </a:gs>
-            <a:gs pos="100000">
-              <a:schemeClr val="phClr">
-                <a:tint val="50000"/>
-                <a:shade val="100000"/>
-                <a:satMod val="350000"/>
-              </a:schemeClr>
-            </a:gs>
-          </a:gsLst>
-          <a:lin ang="16200000" scaled="0"/>
-        </a:gradFill>
-      </a:fillStyleLst>
-      <a:lnStyleLst>
-        <a:ln w="9525" cap="flat" cmpd="sng" algn="ctr">
-          <a:solidFill>
-            <a:schemeClr val="phClr">
-              <a:shade val="95000"/>
-              <a:satMod val="105000"/>
-            </a:schemeClr>
-          </a:solidFill>
-          <a:prstDash val="solid"/>
-        </a:ln>
-        <a:ln w="25400" cap="flat" cmpd="sng" algn="ctr">
-          <a:solidFill>
-            <a:schemeClr val="phClr"/>
-          </a:solidFill>
-          <a:prstDash val="solid"/>
-        </a:ln>
-        <a:ln w="38100" cap="flat" cmpd="sng" algn="ctr">
-          <a:solidFill>
-            <a:schemeClr val="phClr"/>
-          </a:solidFill>
-          <a:prstDash val="solid"/>
-        </a:ln>
-      </a:lnStyleLst>
-      <a:effectStyleLst>
-        <a:effectStyle>
-          <a:effectLst>
-            <a:outerShdw blurRad="40000" dist="20000" dir="5400000" rotWithShape="0">
-              <a:srgbClr val="000000">
-                <a:alpha val="38000"/>
-              </a:srgbClr>
-            </a:outerShdw>
-          </a:effectLst>
-        </a:effectStyle>
-        <a:effectStyle>
-          <a:effectLst>
-            <a:outerShdw blurRad="40000" dist="23000" dir="5400000" rotWithShape="0">
-              <a:srgbClr val="000000">
-                <a:alpha val="35000"/>
-              </a:srgbClr>
-            </a:outerShdw>
-          </a:effectLst>
-        </a:effectStyle>
-        <a:effectStyle>
-          <a:effectLst>
-            <a:outerShdw blurRad="40000" dist="23000" dir="5400000" rotWithShape="0">
-              <a:srgbClr val="000000">
-                <a:alpha val="35000"/>
-              </a:srgbClr>
-            </a:outerShdw>
-          </a:effectLst>
-          <a:scene3d>
-            <a:camera prst="orthographicFront">
-              <a:rot lat="0" lon="0" rev="0"/>
-            </a:camera>
-            <a:lightRig rig="threePt" dir="t">
-              <a:rot lat="0" lon="0" rev="1200000"/>
-            </a:lightRig>
-          </a:scene3d>
-          <a:sp3d>
-            <a:bevelT w="63500" h="25400"/>
-          </a:sp3d>
-        </a:effectStyle>
-      </a:effectStyleLst>
-      <a:bgFillStyleLst>
-        <a:solidFill>
-          <a:schemeClr val="phClr"/>
-        </a:solidFill>
-        <a:gradFill rotWithShape="1">
-          <a:gsLst>
-            <a:gs pos="0">
-              <a:schemeClr val="phClr">
-                <a:tint val="40000"/>
-                <a:satMod val="350000"/>
-              </a:schemeClr>
-            </a:gs>
-            <a:gs pos="40000">
-              <a:schemeClr val="phClr">
-                <a:tint val="45000"/>
-                <a:shade val="99000"/>
-                <a:satMod val="350000"/>
-              </a:schemeClr>
-            </a:gs>
-            <a:gs pos="100000">
-              <a:schemeClr val="phClr">
-                <a:shade val="20000"/>
-                <a:satMod val="255000"/>
-              </a:schemeClr>
-            </a:gs>
-          </a:gsLst>
-          <a:path path="circle">
-            <a:fillToRect l="50000" t="-80000" r="50000" b="180000"/>
-          </a:path>
-        </a:gradFill>
-        <a:gradFill rotWithShape="1">
-          <a:gsLst>
-            <a:gs pos="0">
-              <a:schemeClr val="phClr">
-                <a:tint val="80000"/>
-                <a:satMod val="300000"/>
-              </a:schemeClr>
-            </a:gs>
-            <a:gs pos="100000">
-              <a:schemeClr val="phClr">
-                <a:shade val="30000"/>
-                <a:satMod val="200000"/>
-              </a:schemeClr>
-            </a:gs>
-          </a:gsLst>
-          <a:path path="circle">
-            <a:fillToRect l="50000" t="50000" r="50000" b="50000"/>
-          </a:path>
-        </a:gradFill>
-      </a:bgFillStyleLst>
-    </a:fmtScheme>
-  </a:themeElements>
-</a:theme>
 </file>